--- a/notes/csc402-ln015.pptx
+++ b/notes/csc402-ln015.pptx
@@ -247,7 +247,7 @@
           </a:ln>
           <a:extLst>
             <a:ext uri="{FAA26D3D-D897-4be2-8F04-BA451C77F1D7}">
-              <ma14:placeholderFlag xmlns:ma14="http://schemas.microsoft.com/office/mac/drawingml/2011/main" val="1"/>
+              <ma14:placeholderFlag xmlns="" xmlns:ma14="http://schemas.microsoft.com/office/mac/drawingml/2011/main" val="1"/>
             </a:ext>
             <a:ext uri="{909E8E84-426E-40dd-AFC4-6F175D3DCCD1}">
               <a14:hiddenFill xmlns="" xmlns:a14="http://schemas.microsoft.com/office/drawing/2010/main">
@@ -308,7 +308,7 @@
           </a:ln>
           <a:extLst>
             <a:ext uri="{FAA26D3D-D897-4be2-8F04-BA451C77F1D7}">
-              <ma14:placeholderFlag xmlns:ma14="http://schemas.microsoft.com/office/mac/drawingml/2011/main" val="1"/>
+              <ma14:placeholderFlag xmlns="" xmlns:ma14="http://schemas.microsoft.com/office/mac/drawingml/2011/main" val="1"/>
             </a:ext>
             <a:ext uri="{909E8E84-426E-40dd-AFC4-6F175D3DCCD1}">
               <a14:hiddenFill xmlns="" xmlns:a14="http://schemas.microsoft.com/office/drawing/2010/main">
@@ -415,7 +415,7 @@
           </a:ln>
           <a:extLst>
             <a:ext uri="{FAA26D3D-D897-4be2-8F04-BA451C77F1D7}">
-              <ma14:placeholderFlag xmlns:ma14="http://schemas.microsoft.com/office/mac/drawingml/2011/main" val="1"/>
+              <ma14:placeholderFlag xmlns="" xmlns:ma14="http://schemas.microsoft.com/office/mac/drawingml/2011/main" val="1"/>
             </a:ext>
             <a:ext uri="{909E8E84-426E-40dd-AFC4-6F175D3DCCD1}">
               <a14:hiddenFill xmlns="" xmlns:a14="http://schemas.microsoft.com/office/drawing/2010/main">
@@ -504,7 +504,7 @@
           </a:ln>
           <a:extLst>
             <a:ext uri="{FAA26D3D-D897-4be2-8F04-BA451C77F1D7}">
-              <ma14:placeholderFlag xmlns:ma14="http://schemas.microsoft.com/office/mac/drawingml/2011/main" val="1"/>
+              <ma14:placeholderFlag xmlns="" xmlns:ma14="http://schemas.microsoft.com/office/mac/drawingml/2011/main" val="1"/>
             </a:ext>
             <a:ext uri="{909E8E84-426E-40dd-AFC4-6F175D3DCCD1}">
               <a14:hiddenFill xmlns="" xmlns:a14="http://schemas.microsoft.com/office/drawing/2010/main">
@@ -565,7 +565,7 @@
           </a:ln>
           <a:extLst>
             <a:ext uri="{FAA26D3D-D897-4be2-8F04-BA451C77F1D7}">
-              <ma14:placeholderFlag xmlns:ma14="http://schemas.microsoft.com/office/mac/drawingml/2011/main" val="1"/>
+              <ma14:placeholderFlag xmlns="" xmlns:ma14="http://schemas.microsoft.com/office/mac/drawingml/2011/main" val="1"/>
             </a:ext>
             <a:ext uri="{909E8E84-426E-40dd-AFC4-6F175D3DCCD1}">
               <a14:hiddenFill xmlns="" xmlns:a14="http://schemas.microsoft.com/office/drawing/2010/main">
@@ -797,7 +797,7 @@
           <a:ln/>
           <a:extLst>
             <a:ext uri="{FAA26D3D-D897-4be2-8F04-BA451C77F1D7}">
-              <ma14:placeholderFlag xmlns:ma14="http://schemas.microsoft.com/office/mac/drawingml/2011/main" val="1"/>
+              <ma14:placeholderFlag xmlns="" xmlns:ma14="http://schemas.microsoft.com/office/mac/drawingml/2011/main" val="1"/>
             </a:ext>
           </a:extLst>
         </p:spPr>
@@ -886,7 +886,7 @@
           <a:ln/>
           <a:extLst>
             <a:ext uri="{FAA26D3D-D897-4be2-8F04-BA451C77F1D7}">
-              <ma14:placeholderFlag xmlns:ma14="http://schemas.microsoft.com/office/mac/drawingml/2011/main" val="1"/>
+              <ma14:placeholderFlag xmlns="" xmlns:ma14="http://schemas.microsoft.com/office/mac/drawingml/2011/main" val="1"/>
             </a:ext>
           </a:extLst>
         </p:spPr>
@@ -975,7 +975,7 @@
           <a:ln/>
           <a:extLst>
             <a:ext uri="{FAA26D3D-D897-4be2-8F04-BA451C77F1D7}">
-              <ma14:placeholderFlag xmlns:ma14="http://schemas.microsoft.com/office/mac/drawingml/2011/main" val="1"/>
+              <ma14:placeholderFlag xmlns="" xmlns:ma14="http://schemas.microsoft.com/office/mac/drawingml/2011/main" val="1"/>
             </a:ext>
           </a:extLst>
         </p:spPr>
@@ -1064,7 +1064,7 @@
           <a:ln/>
           <a:extLst>
             <a:ext uri="{FAA26D3D-D897-4be2-8F04-BA451C77F1D7}">
-              <ma14:placeholderFlag xmlns:ma14="http://schemas.microsoft.com/office/mac/drawingml/2011/main" val="1"/>
+              <ma14:placeholderFlag xmlns="" xmlns:ma14="http://schemas.microsoft.com/office/mac/drawingml/2011/main" val="1"/>
             </a:ext>
           </a:extLst>
         </p:spPr>
@@ -1153,7 +1153,7 @@
           <a:ln/>
           <a:extLst>
             <a:ext uri="{FAA26D3D-D897-4be2-8F04-BA451C77F1D7}">
-              <ma14:placeholderFlag xmlns:ma14="http://schemas.microsoft.com/office/mac/drawingml/2011/main" val="1"/>
+              <ma14:placeholderFlag xmlns="" xmlns:ma14="http://schemas.microsoft.com/office/mac/drawingml/2011/main" val="1"/>
             </a:ext>
           </a:extLst>
         </p:spPr>
@@ -1242,7 +1242,7 @@
           <a:ln/>
           <a:extLst>
             <a:ext uri="{FAA26D3D-D897-4be2-8F04-BA451C77F1D7}">
-              <ma14:placeholderFlag xmlns:ma14="http://schemas.microsoft.com/office/mac/drawingml/2011/main" val="1"/>
+              <ma14:placeholderFlag xmlns="" xmlns:ma14="http://schemas.microsoft.com/office/mac/drawingml/2011/main" val="1"/>
             </a:ext>
           </a:extLst>
         </p:spPr>
@@ -1331,7 +1331,7 @@
           <a:ln/>
           <a:extLst>
             <a:ext uri="{FAA26D3D-D897-4be2-8F04-BA451C77F1D7}">
-              <ma14:placeholderFlag xmlns:ma14="http://schemas.microsoft.com/office/mac/drawingml/2011/main" val="1"/>
+              <ma14:placeholderFlag xmlns="" xmlns:ma14="http://schemas.microsoft.com/office/mac/drawingml/2011/main" val="1"/>
             </a:ext>
           </a:extLst>
         </p:spPr>
@@ -1420,7 +1420,7 @@
           <a:ln/>
           <a:extLst>
             <a:ext uri="{FAA26D3D-D897-4be2-8F04-BA451C77F1D7}">
-              <ma14:placeholderFlag xmlns:ma14="http://schemas.microsoft.com/office/mac/drawingml/2011/main" val="1"/>
+              <ma14:placeholderFlag xmlns="" xmlns:ma14="http://schemas.microsoft.com/office/mac/drawingml/2011/main" val="1"/>
             </a:ext>
           </a:extLst>
         </p:spPr>
@@ -1509,7 +1509,7 @@
           <a:ln/>
           <a:extLst>
             <a:ext uri="{FAA26D3D-D897-4be2-8F04-BA451C77F1D7}">
-              <ma14:placeholderFlag xmlns:ma14="http://schemas.microsoft.com/office/mac/drawingml/2011/main" val="1"/>
+              <ma14:placeholderFlag xmlns="" xmlns:ma14="http://schemas.microsoft.com/office/mac/drawingml/2011/main" val="1"/>
             </a:ext>
           </a:extLst>
         </p:spPr>
@@ -1598,7 +1598,7 @@
           <a:ln/>
           <a:extLst>
             <a:ext uri="{FAA26D3D-D897-4be2-8F04-BA451C77F1D7}">
-              <ma14:placeholderFlag xmlns:ma14="http://schemas.microsoft.com/office/mac/drawingml/2011/main" val="1"/>
+              <ma14:placeholderFlag xmlns="" xmlns:ma14="http://schemas.microsoft.com/office/mac/drawingml/2011/main" val="1"/>
             </a:ext>
           </a:extLst>
         </p:spPr>
@@ -1687,7 +1687,7 @@
           <a:ln/>
           <a:extLst>
             <a:ext uri="{FAA26D3D-D897-4be2-8F04-BA451C77F1D7}">
-              <ma14:placeholderFlag xmlns:ma14="http://schemas.microsoft.com/office/mac/drawingml/2011/main" val="1"/>
+              <ma14:placeholderFlag xmlns="" xmlns:ma14="http://schemas.microsoft.com/office/mac/drawingml/2011/main" val="1"/>
             </a:ext>
           </a:extLst>
         </p:spPr>
@@ -1793,7 +1793,7 @@
           </a:ln>
           <a:extLst>
             <a:ext uri="{FAA26D3D-D897-4be2-8F04-BA451C77F1D7}">
-              <ma14:placeholderFlag xmlns:ma14="http://schemas.microsoft.com/office/mac/drawingml/2011/main" val="1"/>
+              <ma14:placeholderFlag xmlns="" xmlns:ma14="http://schemas.microsoft.com/office/mac/drawingml/2011/main" val="1"/>
             </a:ext>
           </a:extLst>
         </p:spPr>
@@ -1829,7 +1829,7 @@
           </a:ln>
           <a:extLst>
             <a:ext uri="{FAA26D3D-D897-4be2-8F04-BA451C77F1D7}">
-              <ma14:placeholderFlag xmlns:ma14="http://schemas.microsoft.com/office/mac/drawingml/2011/main" val="1"/>
+              <ma14:placeholderFlag xmlns="" xmlns:ma14="http://schemas.microsoft.com/office/mac/drawingml/2011/main" val="1"/>
             </a:ext>
           </a:extLst>
         </p:spPr>
@@ -1923,7 +1923,7 @@
           </a:ln>
           <a:extLst>
             <a:ext uri="{FAA26D3D-D897-4be2-8F04-BA451C77F1D7}">
-              <ma14:placeholderFlag xmlns:ma14="http://schemas.microsoft.com/office/mac/drawingml/2011/main" val="1"/>
+              <ma14:placeholderFlag xmlns="" xmlns:ma14="http://schemas.microsoft.com/office/mac/drawingml/2011/main" val="1"/>
             </a:ext>
           </a:extLst>
         </p:spPr>
@@ -1959,7 +1959,7 @@
           </a:ln>
           <a:extLst>
             <a:ext uri="{FAA26D3D-D897-4be2-8F04-BA451C77F1D7}">
-              <ma14:placeholderFlag xmlns:ma14="http://schemas.microsoft.com/office/mac/drawingml/2011/main" val="1"/>
+              <ma14:placeholderFlag xmlns="" xmlns:ma14="http://schemas.microsoft.com/office/mac/drawingml/2011/main" val="1"/>
             </a:ext>
           </a:extLst>
         </p:spPr>
@@ -2036,7 +2036,7 @@
           <a:ln/>
           <a:extLst>
             <a:ext uri="{FAA26D3D-D897-4be2-8F04-BA451C77F1D7}">
-              <ma14:placeholderFlag xmlns:ma14="http://schemas.microsoft.com/office/mac/drawingml/2011/main" val="1"/>
+              <ma14:placeholderFlag xmlns="" xmlns:ma14="http://schemas.microsoft.com/office/mac/drawingml/2011/main" val="1"/>
             </a:ext>
           </a:extLst>
         </p:spPr>
@@ -2164,7 +2164,7 @@
           <a:p>
             <a:pPr lvl="0"/>
             <a:r>
-              <a:rPr lang="en-US" noProof="0" smtClean="0"/>
+              <a:rPr lang="en-US" noProof="0"/>
               <a:t>Click to edit Master title style</a:t>
             </a:r>
           </a:p>
@@ -2198,7 +2198,7 @@
           <a:p>
             <a:pPr lvl="0"/>
             <a:r>
-              <a:rPr lang="en-US" noProof="0" smtClean="0"/>
+              <a:rPr lang="en-US" noProof="0"/>
               <a:t>Click to edit Master subtitle style</a:t>
             </a:r>
           </a:p>
@@ -4058,13 +4058,6 @@
   <p:clrMapOvr>
     <a:masterClrMapping/>
   </p:clrMapOvr>
-  <p:timing>
-    <p:tnLst>
-      <p:par>
-        <p:cTn id="1" dur="indefinite" restart="never" nodeType="tmRoot"/>
-      </p:par>
-    </p:tnLst>
-  </p:timing>
 </p:sldLayout>
 </file>
 
@@ -4101,10 +4094,9 @@
           <a:lstStyle/>
           <a:p>
             <a:r>
-              <a:rPr lang="en-US" smtClean="0"/>
+              <a:rPr lang="en-US"/>
               <a:t>Click to edit Master title style</a:t>
             </a:r>
-            <a:endParaRPr lang="en-US"/>
           </a:p>
         </p:txBody>
       </p:sp>
@@ -4125,38 +4117,37 @@
           <a:p>
             <a:pPr lvl="0"/>
             <a:r>
-              <a:rPr lang="en-US" smtClean="0"/>
+              <a:rPr lang="en-US"/>
               <a:t>Click to edit Master text styles</a:t>
             </a:r>
           </a:p>
           <a:p>
             <a:pPr lvl="1"/>
             <a:r>
-              <a:rPr lang="en-US" smtClean="0"/>
+              <a:rPr lang="en-US"/>
               <a:t>Second level</a:t>
             </a:r>
           </a:p>
           <a:p>
             <a:pPr lvl="2"/>
             <a:r>
-              <a:rPr lang="en-US" smtClean="0"/>
+              <a:rPr lang="en-US"/>
               <a:t>Third level</a:t>
             </a:r>
           </a:p>
           <a:p>
             <a:pPr lvl="3"/>
             <a:r>
-              <a:rPr lang="en-US" smtClean="0"/>
+              <a:rPr lang="en-US"/>
               <a:t>Fourth level</a:t>
             </a:r>
           </a:p>
           <a:p>
             <a:pPr lvl="4"/>
             <a:r>
-              <a:rPr lang="en-US" smtClean="0"/>
+              <a:rPr lang="en-US"/>
               <a:t>Fifth level</a:t>
             </a:r>
-            <a:endParaRPr lang="en-US"/>
           </a:p>
         </p:txBody>
       </p:sp>
@@ -4285,10 +4276,9 @@
           <a:lstStyle/>
           <a:p>
             <a:r>
-              <a:rPr lang="en-US" smtClean="0"/>
+              <a:rPr lang="en-US"/>
               <a:t>Click to edit Master title style</a:t>
             </a:r>
-            <a:endParaRPr lang="en-US"/>
           </a:p>
         </p:txBody>
       </p:sp>
@@ -4314,38 +4304,37 @@
           <a:p>
             <a:pPr lvl="0"/>
             <a:r>
-              <a:rPr lang="en-US" smtClean="0"/>
+              <a:rPr lang="en-US"/>
               <a:t>Click to edit Master text styles</a:t>
             </a:r>
           </a:p>
           <a:p>
             <a:pPr lvl="1"/>
             <a:r>
-              <a:rPr lang="en-US" smtClean="0"/>
+              <a:rPr lang="en-US"/>
               <a:t>Second level</a:t>
             </a:r>
           </a:p>
           <a:p>
             <a:pPr lvl="2"/>
             <a:r>
-              <a:rPr lang="en-US" smtClean="0"/>
+              <a:rPr lang="en-US"/>
               <a:t>Third level</a:t>
             </a:r>
           </a:p>
           <a:p>
             <a:pPr lvl="3"/>
             <a:r>
-              <a:rPr lang="en-US" smtClean="0"/>
+              <a:rPr lang="en-US"/>
               <a:t>Fourth level</a:t>
             </a:r>
           </a:p>
           <a:p>
             <a:pPr lvl="4"/>
             <a:r>
-              <a:rPr lang="en-US" smtClean="0"/>
+              <a:rPr lang="en-US"/>
               <a:t>Fifth level</a:t>
             </a:r>
-            <a:endParaRPr lang="en-US"/>
           </a:p>
         </p:txBody>
       </p:sp>
@@ -4469,10 +4458,9 @@
           <a:lstStyle/>
           <a:p>
             <a:r>
-              <a:rPr lang="en-US" smtClean="0"/>
+              <a:rPr lang="en-US"/>
               <a:t>Click to edit Master title style</a:t>
             </a:r>
-            <a:endParaRPr lang="en-US"/>
           </a:p>
         </p:txBody>
       </p:sp>
@@ -4493,38 +4481,37 @@
           <a:p>
             <a:pPr lvl="0"/>
             <a:r>
-              <a:rPr lang="en-US" smtClean="0"/>
+              <a:rPr lang="en-US"/>
               <a:t>Click to edit Master text styles</a:t>
             </a:r>
           </a:p>
           <a:p>
             <a:pPr lvl="1"/>
             <a:r>
-              <a:rPr lang="en-US" smtClean="0"/>
+              <a:rPr lang="en-US"/>
               <a:t>Second level</a:t>
             </a:r>
           </a:p>
           <a:p>
             <a:pPr lvl="2"/>
             <a:r>
-              <a:rPr lang="en-US" smtClean="0"/>
+              <a:rPr lang="en-US"/>
               <a:t>Third level</a:t>
             </a:r>
           </a:p>
           <a:p>
             <a:pPr lvl="3"/>
             <a:r>
-              <a:rPr lang="en-US" smtClean="0"/>
+              <a:rPr lang="en-US"/>
               <a:t>Fourth level</a:t>
             </a:r>
           </a:p>
           <a:p>
             <a:pPr lvl="4"/>
             <a:r>
-              <a:rPr lang="en-US" smtClean="0"/>
+              <a:rPr lang="en-US"/>
               <a:t>Fifth level</a:t>
             </a:r>
-            <a:endParaRPr lang="en-US"/>
           </a:p>
         </p:txBody>
       </p:sp>
@@ -4657,10 +4644,9 @@
           </a:lstStyle>
           <a:p>
             <a:r>
-              <a:rPr lang="en-US" smtClean="0"/>
+              <a:rPr lang="en-US"/>
               <a:t>Click to edit Master title style</a:t>
             </a:r>
-            <a:endParaRPr lang="en-US"/>
           </a:p>
         </p:txBody>
       </p:sp>
@@ -4723,7 +4709,7 @@
           <a:p>
             <a:pPr lvl="0"/>
             <a:r>
-              <a:rPr lang="en-US" smtClean="0"/>
+              <a:rPr lang="en-US"/>
               <a:t>Click to edit Master text styles</a:t>
             </a:r>
           </a:p>
@@ -4849,10 +4835,9 @@
           <a:lstStyle/>
           <a:p>
             <a:r>
-              <a:rPr lang="en-US" smtClean="0"/>
+              <a:rPr lang="en-US"/>
               <a:t>Click to edit Master title style</a:t>
             </a:r>
-            <a:endParaRPr lang="en-US"/>
           </a:p>
         </p:txBody>
       </p:sp>
@@ -4906,38 +4891,37 @@
           <a:p>
             <a:pPr lvl="0"/>
             <a:r>
-              <a:rPr lang="en-US" smtClean="0"/>
+              <a:rPr lang="en-US"/>
               <a:t>Click to edit Master text styles</a:t>
             </a:r>
           </a:p>
           <a:p>
             <a:pPr lvl="1"/>
             <a:r>
-              <a:rPr lang="en-US" smtClean="0"/>
+              <a:rPr lang="en-US"/>
               <a:t>Second level</a:t>
             </a:r>
           </a:p>
           <a:p>
             <a:pPr lvl="2"/>
             <a:r>
-              <a:rPr lang="en-US" smtClean="0"/>
+              <a:rPr lang="en-US"/>
               <a:t>Third level</a:t>
             </a:r>
           </a:p>
           <a:p>
             <a:pPr lvl="3"/>
             <a:r>
-              <a:rPr lang="en-US" smtClean="0"/>
+              <a:rPr lang="en-US"/>
               <a:t>Fourth level</a:t>
             </a:r>
           </a:p>
           <a:p>
             <a:pPr lvl="4"/>
             <a:r>
-              <a:rPr lang="en-US" smtClean="0"/>
+              <a:rPr lang="en-US"/>
               <a:t>Fifth level</a:t>
             </a:r>
-            <a:endParaRPr lang="en-US"/>
           </a:p>
         </p:txBody>
       </p:sp>
@@ -4991,38 +4975,37 @@
           <a:p>
             <a:pPr lvl="0"/>
             <a:r>
-              <a:rPr lang="en-US" smtClean="0"/>
+              <a:rPr lang="en-US"/>
               <a:t>Click to edit Master text styles</a:t>
             </a:r>
           </a:p>
           <a:p>
             <a:pPr lvl="1"/>
             <a:r>
-              <a:rPr lang="en-US" smtClean="0"/>
+              <a:rPr lang="en-US"/>
               <a:t>Second level</a:t>
             </a:r>
           </a:p>
           <a:p>
             <a:pPr lvl="2"/>
             <a:r>
-              <a:rPr lang="en-US" smtClean="0"/>
+              <a:rPr lang="en-US"/>
               <a:t>Third level</a:t>
             </a:r>
           </a:p>
           <a:p>
             <a:pPr lvl="3"/>
             <a:r>
-              <a:rPr lang="en-US" smtClean="0"/>
+              <a:rPr lang="en-US"/>
               <a:t>Fourth level</a:t>
             </a:r>
           </a:p>
           <a:p>
             <a:pPr lvl="4"/>
             <a:r>
-              <a:rPr lang="en-US" smtClean="0"/>
+              <a:rPr lang="en-US"/>
               <a:t>Fifth level</a:t>
             </a:r>
-            <a:endParaRPr lang="en-US"/>
           </a:p>
         </p:txBody>
       </p:sp>
@@ -5155,10 +5138,9 @@
           </a:lstStyle>
           <a:p>
             <a:r>
-              <a:rPr lang="en-US" smtClean="0"/>
+              <a:rPr lang="en-US"/>
               <a:t>Click to edit Master title style</a:t>
             </a:r>
-            <a:endParaRPr lang="en-US"/>
           </a:p>
         </p:txBody>
       </p:sp>
@@ -5221,7 +5203,7 @@
           <a:p>
             <a:pPr lvl="0"/>
             <a:r>
-              <a:rPr lang="en-US" smtClean="0"/>
+              <a:rPr lang="en-US"/>
               <a:t>Click to edit Master text styles</a:t>
             </a:r>
           </a:p>
@@ -5277,38 +5259,37 @@
           <a:p>
             <a:pPr lvl="0"/>
             <a:r>
-              <a:rPr lang="en-US" smtClean="0"/>
+              <a:rPr lang="en-US"/>
               <a:t>Click to edit Master text styles</a:t>
             </a:r>
           </a:p>
           <a:p>
             <a:pPr lvl="1"/>
             <a:r>
-              <a:rPr lang="en-US" smtClean="0"/>
+              <a:rPr lang="en-US"/>
               <a:t>Second level</a:t>
             </a:r>
           </a:p>
           <a:p>
             <a:pPr lvl="2"/>
             <a:r>
-              <a:rPr lang="en-US" smtClean="0"/>
+              <a:rPr lang="en-US"/>
               <a:t>Third level</a:t>
             </a:r>
           </a:p>
           <a:p>
             <a:pPr lvl="3"/>
             <a:r>
-              <a:rPr lang="en-US" smtClean="0"/>
+              <a:rPr lang="en-US"/>
               <a:t>Fourth level</a:t>
             </a:r>
           </a:p>
           <a:p>
             <a:pPr lvl="4"/>
             <a:r>
-              <a:rPr lang="en-US" smtClean="0"/>
+              <a:rPr lang="en-US"/>
               <a:t>Fifth level</a:t>
             </a:r>
-            <a:endParaRPr lang="en-US"/>
           </a:p>
         </p:txBody>
       </p:sp>
@@ -5371,7 +5352,7 @@
           <a:p>
             <a:pPr lvl="0"/>
             <a:r>
-              <a:rPr lang="en-US" smtClean="0"/>
+              <a:rPr lang="en-US"/>
               <a:t>Click to edit Master text styles</a:t>
             </a:r>
           </a:p>
@@ -5427,38 +5408,37 @@
           <a:p>
             <a:pPr lvl="0"/>
             <a:r>
-              <a:rPr lang="en-US" smtClean="0"/>
+              <a:rPr lang="en-US"/>
               <a:t>Click to edit Master text styles</a:t>
             </a:r>
           </a:p>
           <a:p>
             <a:pPr lvl="1"/>
             <a:r>
-              <a:rPr lang="en-US" smtClean="0"/>
+              <a:rPr lang="en-US"/>
               <a:t>Second level</a:t>
             </a:r>
           </a:p>
           <a:p>
             <a:pPr lvl="2"/>
             <a:r>
-              <a:rPr lang="en-US" smtClean="0"/>
+              <a:rPr lang="en-US"/>
               <a:t>Third level</a:t>
             </a:r>
           </a:p>
           <a:p>
             <a:pPr lvl="3"/>
             <a:r>
-              <a:rPr lang="en-US" smtClean="0"/>
+              <a:rPr lang="en-US"/>
               <a:t>Fourth level</a:t>
             </a:r>
           </a:p>
           <a:p>
             <a:pPr lvl="4"/>
             <a:r>
-              <a:rPr lang="en-US" smtClean="0"/>
+              <a:rPr lang="en-US"/>
               <a:t>Fifth level</a:t>
             </a:r>
-            <a:endParaRPr lang="en-US"/>
           </a:p>
         </p:txBody>
       </p:sp>
@@ -5582,10 +5562,9 @@
           <a:lstStyle/>
           <a:p>
             <a:r>
-              <a:rPr lang="en-US" smtClean="0"/>
+              <a:rPr lang="en-US"/>
               <a:t>Click to edit Master title style</a:t>
             </a:r>
-            <a:endParaRPr lang="en-US"/>
           </a:p>
         </p:txBody>
       </p:sp>
@@ -5822,10 +5801,9 @@
           </a:lstStyle>
           <a:p>
             <a:r>
-              <a:rPr lang="en-US" smtClean="0"/>
+              <a:rPr lang="en-US"/>
               <a:t>Click to edit Master title style</a:t>
             </a:r>
-            <a:endParaRPr lang="en-US"/>
           </a:p>
         </p:txBody>
       </p:sp>
@@ -5879,38 +5857,37 @@
           <a:p>
             <a:pPr lvl="0"/>
             <a:r>
-              <a:rPr lang="en-US" smtClean="0"/>
+              <a:rPr lang="en-US"/>
               <a:t>Click to edit Master text styles</a:t>
             </a:r>
           </a:p>
           <a:p>
             <a:pPr lvl="1"/>
             <a:r>
-              <a:rPr lang="en-US" smtClean="0"/>
+              <a:rPr lang="en-US"/>
               <a:t>Second level</a:t>
             </a:r>
           </a:p>
           <a:p>
             <a:pPr lvl="2"/>
             <a:r>
-              <a:rPr lang="en-US" smtClean="0"/>
+              <a:rPr lang="en-US"/>
               <a:t>Third level</a:t>
             </a:r>
           </a:p>
           <a:p>
             <a:pPr lvl="3"/>
             <a:r>
-              <a:rPr lang="en-US" smtClean="0"/>
+              <a:rPr lang="en-US"/>
               <a:t>Fourth level</a:t>
             </a:r>
           </a:p>
           <a:p>
             <a:pPr lvl="4"/>
             <a:r>
-              <a:rPr lang="en-US" smtClean="0"/>
+              <a:rPr lang="en-US"/>
               <a:t>Fifth level</a:t>
             </a:r>
-            <a:endParaRPr lang="en-US"/>
           </a:p>
         </p:txBody>
       </p:sp>
@@ -5973,7 +5950,7 @@
           <a:p>
             <a:pPr lvl="0"/>
             <a:r>
-              <a:rPr lang="en-US" smtClean="0"/>
+              <a:rPr lang="en-US"/>
               <a:t>Click to edit Master text styles</a:t>
             </a:r>
           </a:p>
@@ -6108,10 +6085,9 @@
           </a:lstStyle>
           <a:p>
             <a:r>
-              <a:rPr lang="en-US" smtClean="0"/>
+              <a:rPr lang="en-US"/>
               <a:t>Click to edit Master title style</a:t>
             </a:r>
-            <a:endParaRPr lang="en-US"/>
           </a:p>
         </p:txBody>
       </p:sp>
@@ -6235,7 +6211,7 @@
           <a:p>
             <a:pPr lvl="0"/>
             <a:r>
-              <a:rPr lang="en-US" smtClean="0"/>
+              <a:rPr lang="en-US"/>
               <a:t>Click to edit Master text styles</a:t>
             </a:r>
           </a:p>
@@ -6431,7 +6407,7 @@
           <a:effectLst/>
           <a:extLst>
             <a:ext uri="{FAA26D3D-D897-4be2-8F04-BA451C77F1D7}">
-              <ma14:placeholderFlag xmlns:ma14="http://schemas.microsoft.com/office/mac/drawingml/2011/main" val="1"/>
+              <ma14:placeholderFlag xmlns="" xmlns:ma14="http://schemas.microsoft.com/office/mac/drawingml/2011/main" val="1"/>
             </a:ext>
             <a:ext uri="{909E8E84-426E-40dd-AFC4-6F175D3DCCD1}">
               <a14:hiddenFill xmlns="" xmlns:a14="http://schemas.microsoft.com/office/drawing/2010/main">
@@ -6504,7 +6480,7 @@
           <a:effectLst/>
           <a:extLst>
             <a:ext uri="{FAA26D3D-D897-4be2-8F04-BA451C77F1D7}">
-              <ma14:placeholderFlag xmlns:ma14="http://schemas.microsoft.com/office/mac/drawingml/2011/main" val="1"/>
+              <ma14:placeholderFlag xmlns="" xmlns:ma14="http://schemas.microsoft.com/office/mac/drawingml/2011/main" val="1"/>
             </a:ext>
             <a:ext uri="{909E8E84-426E-40dd-AFC4-6F175D3DCCD1}">
               <a14:hiddenFill xmlns="" xmlns:a14="http://schemas.microsoft.com/office/drawing/2010/main">
@@ -6605,7 +6581,7 @@
           <a:effectLst/>
           <a:extLst>
             <a:ext uri="{FAA26D3D-D897-4be2-8F04-BA451C77F1D7}">
-              <ma14:placeholderFlag xmlns:ma14="http://schemas.microsoft.com/office/mac/drawingml/2011/main" val="1"/>
+              <ma14:placeholderFlag xmlns="" xmlns:ma14="http://schemas.microsoft.com/office/mac/drawingml/2011/main" val="1"/>
             </a:ext>
             <a:ext uri="{909E8E84-426E-40dd-AFC4-6F175D3DCCD1}">
               <a14:hiddenFill xmlns="" xmlns:a14="http://schemas.microsoft.com/office/drawing/2010/main">
@@ -6678,7 +6654,7 @@
           <a:effectLst/>
           <a:extLst>
             <a:ext uri="{FAA26D3D-D897-4be2-8F04-BA451C77F1D7}">
-              <ma14:placeholderFlag xmlns:ma14="http://schemas.microsoft.com/office/mac/drawingml/2011/main" val="1"/>
+              <ma14:placeholderFlag xmlns="" xmlns:ma14="http://schemas.microsoft.com/office/mac/drawingml/2011/main" val="1"/>
             </a:ext>
             <a:ext uri="{909E8E84-426E-40dd-AFC4-6F175D3DCCD1}">
               <a14:hiddenFill xmlns="" xmlns:a14="http://schemas.microsoft.com/office/drawing/2010/main">
@@ -6751,7 +6727,7 @@
           <a:effectLst/>
           <a:extLst>
             <a:ext uri="{FAA26D3D-D897-4be2-8F04-BA451C77F1D7}">
-              <ma14:placeholderFlag xmlns:ma14="http://schemas.microsoft.com/office/mac/drawingml/2011/main" val="1"/>
+              <ma14:placeholderFlag xmlns="" xmlns:ma14="http://schemas.microsoft.com/office/mac/drawingml/2011/main" val="1"/>
             </a:ext>
             <a:ext uri="{909E8E84-426E-40dd-AFC4-6F175D3DCCD1}">
               <a14:hiddenFill xmlns="" xmlns:a14="http://schemas.microsoft.com/office/drawing/2010/main">
@@ -8542,13 +8518,6 @@
     <p:sldLayoutId id="2147483659" r:id="rId10"/>
     <p:sldLayoutId id="2147483660" r:id="rId11"/>
   </p:sldLayoutIdLst>
-  <p:timing>
-    <p:tnLst>
-      <p:par>
-        <p:cTn id="1" dur="indefinite" restart="never" nodeType="tmRoot"/>
-      </p:par>
-    </p:tnLst>
-  </p:timing>
   <p:txStyles>
     <p:titleStyle>
       <a:lvl1pPr algn="l" rtl="0" fontAlgn="base">
@@ -9035,29 +9004,13 @@
           <a:p>
             <a:r>
               <a:rPr lang="en-US" sz="2600" dirty="0"/>
-              <a:t>Our goal is to compile </a:t>
-            </a:r>
-            <a:r>
-              <a:rPr lang="en-US" sz="2600" dirty="0" smtClean="0"/>
-              <a:t>Cuppa3 programs </a:t>
-            </a:r>
+              <a:t>Our goal is to compile Cuppa3 programs into Exp2Bytecode</a:t>
+            </a:r>
+          </a:p>
+          <a:p>
             <a:r>
               <a:rPr lang="en-US" sz="2600" dirty="0"/>
-              <a:t>into Exp2Bytecode</a:t>
-            </a:r>
-          </a:p>
-          <a:p>
-            <a:r>
-              <a:rPr lang="en-US" sz="2600" dirty="0"/>
-              <a:t>The big difference between the two languages is that </a:t>
-            </a:r>
-            <a:r>
-              <a:rPr lang="en-US" sz="2600" dirty="0" smtClean="0"/>
-              <a:t>Cuppa3 </a:t>
-            </a:r>
-            <a:r>
-              <a:rPr lang="en-US" sz="2600" dirty="0"/>
-              <a:t>is a statically scoped language (supports nested scopes and statically scoped functions) and Exp2Bytecode has no notion of scope (all variables are global variables)</a:t>
+              <a:t>The big difference between the two languages is that Cuppa3 is a statically scoped language (supports nested scopes and statically scoped functions) and Exp2Bytecode has no notion of scope (all variables are global variables)</a:t>
             </a:r>
           </a:p>
           <a:p>
@@ -9073,13 +9026,6 @@
   <p:clrMapOvr>
     <a:masterClrMapping/>
   </p:clrMapOvr>
-  <p:timing>
-    <p:tnLst>
-      <p:par>
-        <p:cTn id="1" dur="indefinite" restart="never" nodeType="tmRoot"/>
-      </p:par>
-    </p:tnLst>
-  </p:timing>
 </p:sld>
 </file>
 
@@ -9116,10 +9062,9 @@
           <a:lstStyle/>
           <a:p>
             <a:r>
-              <a:rPr lang="en-US" dirty="0" smtClean="0"/>
+              <a:rPr lang="en-US" dirty="0"/>
               <a:t>Three-Address Code</a:t>
             </a:r>
-            <a:endParaRPr lang="en-US" dirty="0"/>
           </a:p>
         </p:txBody>
       </p:sp>
@@ -9140,58 +9085,46 @@
           <a:p>
             <a:r>
               <a:rPr lang="en-US" sz="2400" dirty="0"/>
-              <a:t>T</a:t>
-            </a:r>
-            <a:r>
-              <a:rPr lang="en-US" sz="2400" dirty="0" smtClean="0"/>
-              <a:t>hree-address code is an intermediate representation</a:t>
-            </a:r>
-          </a:p>
-          <a:p>
-            <a:r>
-              <a:rPr lang="en-US" sz="2400" dirty="0" smtClean="0"/>
+              <a:t>Three-address code is an intermediate representation</a:t>
+            </a:r>
+          </a:p>
+          <a:p>
+            <a:r>
+              <a:rPr lang="en-US" sz="2400" dirty="0"/>
               <a:t>The name refers to the fact that in a single statement we access </a:t>
             </a:r>
             <a:r>
-              <a:rPr lang="en-US" sz="2400" i="1" dirty="0" smtClean="0"/>
+              <a:rPr lang="en-US" sz="2400" i="1" dirty="0"/>
               <a:t>at most </a:t>
             </a:r>
             <a:r>
-              <a:rPr lang="en-US" sz="2400" dirty="0" smtClean="0"/>
+              <a:rPr lang="en-US" sz="2400" dirty="0"/>
               <a:t>three variables, constants, or functions.</a:t>
             </a:r>
           </a:p>
           <a:p>
             <a:r>
-              <a:rPr lang="en-US" sz="2400" dirty="0" smtClean="0"/>
+              <a:rPr lang="en-US" sz="2400" dirty="0"/>
               <a:t>Each statement in three-address code has the general form of:</a:t>
             </a:r>
             <a:br>
-              <a:rPr lang="en-US" sz="2400" dirty="0" smtClean="0"/>
+              <a:rPr lang="en-US" sz="2400" dirty="0"/>
             </a:br>
-            <a:r>
-              <a:rPr lang="en-US" sz="2400" dirty="0" smtClean="0"/>
-              <a:t/>
-            </a:r>
             <a:br>
-              <a:rPr lang="en-US" sz="2400" dirty="0" smtClean="0"/>
+              <a:rPr lang="en-US" sz="2400" dirty="0"/>
             </a:br>
             <a:r>
-              <a:rPr lang="en-US" sz="2400" dirty="0" smtClean="0"/>
+              <a:rPr lang="en-US" sz="2400" dirty="0"/>
               <a:t>              x = y op z</a:t>
             </a:r>
             <a:br>
-              <a:rPr lang="en-US" sz="2400" dirty="0" smtClean="0"/>
+              <a:rPr lang="en-US" sz="2400" dirty="0"/>
             </a:br>
-            <a:r>
-              <a:rPr lang="en-US" sz="2400" dirty="0" smtClean="0"/>
-              <a:t/>
-            </a:r>
             <a:br>
-              <a:rPr lang="en-US" sz="2400" dirty="0" smtClean="0"/>
+              <a:rPr lang="en-US" sz="2400" dirty="0"/>
             </a:br>
             <a:r>
-              <a:rPr lang="en-US" sz="2400" dirty="0" smtClean="0"/>
+              <a:rPr lang="en-US" sz="2400" dirty="0"/>
               <a:t>where x, y and z are variables, constants or temporary variables generated by the compiler and op represents any operator, e.g. an arithmetic operator.</a:t>
             </a:r>
           </a:p>
@@ -9223,10 +9156,9 @@
           <a:lstStyle/>
           <a:p>
             <a:r>
-              <a:rPr lang="en-US" sz="1400" dirty="0" smtClean="0"/>
+              <a:rPr lang="en-US" sz="1400" dirty="0"/>
               <a:t>Source: Wikipedia</a:t>
             </a:r>
-            <a:endParaRPr lang="en-US" sz="1400" dirty="0"/>
           </a:p>
         </p:txBody>
       </p:sp>
@@ -9240,13 +9172,6 @@
   <p:clrMapOvr>
     <a:masterClrMapping/>
   </p:clrMapOvr>
-  <p:timing>
-    <p:tnLst>
-      <p:par>
-        <p:cTn id="1" dur="indefinite" restart="never" nodeType="tmRoot"/>
-      </p:par>
-    </p:tnLst>
-  </p:timing>
 </p:sld>
 </file>
 
@@ -9283,10 +9208,9 @@
           <a:lstStyle/>
           <a:p>
             <a:r>
-              <a:rPr lang="en-US" dirty="0" smtClean="0"/>
+              <a:rPr lang="en-US" dirty="0"/>
               <a:t>Three-Address Code</a:t>
             </a:r>
-            <a:endParaRPr lang="en-US" dirty="0"/>
           </a:p>
         </p:txBody>
       </p:sp>
@@ -9306,70 +9230,58 @@
           <a:lstStyle/>
           <a:p>
             <a:r>
-              <a:rPr lang="en-US" sz="2400" dirty="0" smtClean="0"/>
+              <a:rPr lang="en-US" sz="2400" dirty="0"/>
               <a:t>Expressions containing more than one fundamental operation, such as:</a:t>
             </a:r>
             <a:br>
-              <a:rPr lang="en-US" sz="2400" dirty="0" smtClean="0"/>
+              <a:rPr lang="en-US" sz="2400" dirty="0"/>
             </a:br>
-            <a:r>
-              <a:rPr lang="en-US" sz="2400" dirty="0" smtClean="0"/>
-              <a:t/>
-            </a:r>
             <a:br>
-              <a:rPr lang="en-US" sz="2400" dirty="0" smtClean="0"/>
+              <a:rPr lang="en-US" sz="2400" dirty="0"/>
             </a:br>
             <a:r>
-              <a:rPr lang="en-US" sz="2400" dirty="0" smtClean="0"/>
+              <a:rPr lang="en-US" sz="2400" dirty="0"/>
               <a:t>      w = x + y * z</a:t>
             </a:r>
             <a:br>
-              <a:rPr lang="en-US" sz="2400" dirty="0" smtClean="0"/>
+              <a:rPr lang="en-US" sz="2400" dirty="0"/>
             </a:br>
-            <a:r>
-              <a:rPr lang="en-US" sz="2400" dirty="0" smtClean="0"/>
-              <a:t/>
-            </a:r>
             <a:br>
-              <a:rPr lang="en-US" sz="2400" dirty="0" smtClean="0"/>
+              <a:rPr lang="en-US" sz="2400" dirty="0"/>
             </a:br>
             <a:r>
-              <a:rPr lang="en-US" sz="2400" dirty="0" smtClean="0"/>
+              <a:rPr lang="en-US" sz="2400" dirty="0"/>
               <a:t>are not representable in three-address code. </a:t>
             </a:r>
           </a:p>
           <a:p>
             <a:r>
-              <a:rPr lang="en-US" sz="2400" dirty="0" smtClean="0"/>
+              <a:rPr lang="en-US" sz="2400" dirty="0"/>
               <a:t>Instead, they are decomposed into an equivalent series of three-address code statements, such as:</a:t>
             </a:r>
             <a:br>
-              <a:rPr lang="en-US" sz="2400" dirty="0" smtClean="0"/>
+              <a:rPr lang="en-US" sz="2400" dirty="0"/>
             </a:br>
-            <a:r>
-              <a:rPr lang="en-US" sz="2400" dirty="0" smtClean="0"/>
-              <a:t/>
-            </a:r>
             <a:br>
-              <a:rPr lang="en-US" sz="2400" dirty="0" smtClean="0"/>
+              <a:rPr lang="en-US" sz="2400" dirty="0"/>
             </a:br>
             <a:r>
-              <a:rPr lang="en-US" sz="2400" dirty="0" smtClean="0"/>
+              <a:rPr lang="en-US" sz="2400" dirty="0"/>
               <a:t>      t1 = y * z</a:t>
             </a:r>
             <a:br>
-              <a:rPr lang="en-US" sz="2400" dirty="0" smtClean="0"/>
+              <a:rPr lang="en-US" sz="2400" dirty="0"/>
             </a:br>
             <a:r>
-              <a:rPr lang="en-US" sz="2400" dirty="0" smtClean="0"/>
+              <a:rPr lang="en-US" sz="2400" dirty="0"/>
               <a:t>      w = x + t1</a:t>
             </a:r>
           </a:p>
           <a:p>
-            <a:endParaRPr lang="en-US" sz="2400" dirty="0" smtClean="0"/>
-          </a:p>
-          <a:p>
-            <a:endParaRPr lang="en-US" sz="2400" dirty="0" smtClean="0"/>
+            <a:endParaRPr lang="en-US" sz="2400" dirty="0"/>
+          </a:p>
+          <a:p>
+            <a:endParaRPr lang="en-US" sz="2400" dirty="0"/>
           </a:p>
           <a:p>
             <a:endParaRPr lang="en-US" sz="2400" dirty="0"/>
@@ -9386,13 +9298,6 @@
   <p:clrMapOvr>
     <a:masterClrMapping/>
   </p:clrMapOvr>
-  <p:timing>
-    <p:tnLst>
-      <p:par>
-        <p:cTn id="1" dur="indefinite" restart="never" nodeType="tmRoot"/>
-      </p:par>
-    </p:tnLst>
-  </p:timing>
 </p:sld>
 </file>
 
@@ -9465,15 +9370,7 @@
           <a:p>
             <a:r>
               <a:rPr lang="en-US" dirty="0"/>
-              <a:t>We turn this into </a:t>
-            </a:r>
-            <a:r>
-              <a:rPr lang="en-US" dirty="0" smtClean="0"/>
-              <a:t>three-address code statements </a:t>
-            </a:r>
-            <a:r>
-              <a:rPr lang="en-US" dirty="0"/>
-              <a:t>by doing only one operation at a time and store the result in a </a:t>
+              <a:t>We turn this into three-address code statements by doing only one operation at a time and store the result in a </a:t>
             </a:r>
             <a:r>
               <a:rPr lang="en-US" i="1" dirty="0"/>
@@ -9505,13 +9402,6 @@
   <p:clrMapOvr>
     <a:masterClrMapping/>
   </p:clrMapOvr>
-  <p:timing>
-    <p:tnLst>
-      <p:par>
-        <p:cTn id="1" dur="indefinite" restart="never" nodeType="tmRoot"/>
-      </p:par>
-    </p:tnLst>
-  </p:timing>
 </p:sld>
 </file>
 
@@ -9623,34 +9513,16 @@
           <a:lstStyle/>
           <a:p>
             <a:r>
-              <a:rPr lang="en-US" sz="1400" dirty="0" smtClean="0">
-                <a:solidFill>
-                  <a:prstClr val="black"/>
-                </a:solidFill>
-                <a:latin typeface="Courier" charset="0"/>
-              </a:rPr>
-              <a:t>store </a:t>
-            </a:r>
-            <a:r>
               <a:rPr lang="en-US" sz="1400" dirty="0">
                 <a:solidFill>
                   <a:prstClr val="black"/>
                 </a:solidFill>
                 <a:latin typeface="Courier" charset="0"/>
               </a:rPr>
-              <a:t>t$0 (* 3 2) ;</a:t>
-            </a:r>
-          </a:p>
-          <a:p>
-            <a:r>
-              <a:rPr lang="en-US" sz="1400" dirty="0" smtClean="0">
-                <a:solidFill>
-                  <a:prstClr val="black"/>
-                </a:solidFill>
-                <a:latin typeface="Courier" charset="0"/>
-              </a:rPr>
-              <a:t>store </a:t>
-            </a:r>
+              <a:t>store t$0 (* 3 2) ;</a:t>
+            </a:r>
+          </a:p>
+          <a:p>
             <a:r>
               <a:rPr lang="en-US" sz="1400" dirty="0">
                 <a:solidFill>
@@ -9658,19 +9530,10 @@
                 </a:solidFill>
                 <a:latin typeface="Courier" charset="0"/>
               </a:rPr>
-              <a:t>t$1 (+ t$0 4) ;</a:t>
-            </a:r>
-          </a:p>
-          <a:p>
-            <a:r>
-              <a:rPr lang="en-US" sz="1400" dirty="0" smtClean="0">
-                <a:solidFill>
-                  <a:prstClr val="black"/>
-                </a:solidFill>
-                <a:latin typeface="Courier" charset="0"/>
-              </a:rPr>
-              <a:t>print </a:t>
-            </a:r>
+              <a:t>store t$1 (+ t$0 4) ;</a:t>
+            </a:r>
+          </a:p>
+          <a:p>
             <a:r>
               <a:rPr lang="en-US" sz="1400" dirty="0">
                 <a:solidFill>
@@ -9678,19 +9541,10 @@
                 </a:solidFill>
                 <a:latin typeface="Courier" charset="0"/>
               </a:rPr>
-              <a:t>t$1 ;</a:t>
-            </a:r>
-          </a:p>
-          <a:p>
-            <a:r>
-              <a:rPr lang="en-US" sz="1400" dirty="0" smtClean="0">
-                <a:solidFill>
-                  <a:prstClr val="black"/>
-                </a:solidFill>
-                <a:latin typeface="Courier" charset="0"/>
-              </a:rPr>
-              <a:t>stop </a:t>
-            </a:r>
+              <a:t>print t$1 ;</a:t>
+            </a:r>
+          </a:p>
+          <a:p>
             <a:r>
               <a:rPr lang="en-US" sz="1400" dirty="0">
                 <a:solidFill>
@@ -9698,7 +9552,7 @@
                 </a:solidFill>
                 <a:latin typeface="Courier" charset="0"/>
               </a:rPr>
-              <a:t>;</a:t>
+              <a:t>stop ;</a:t>
             </a:r>
             <a:endParaRPr lang="en-US" sz="1400" dirty="0"/>
           </a:p>
@@ -9796,13 +9650,6 @@
   <p:clrMapOvr>
     <a:masterClrMapping/>
   </p:clrMapOvr>
-  <p:timing>
-    <p:tnLst>
-      <p:par>
-        <p:cTn id="1" dur="indefinite" restart="never" nodeType="tmRoot"/>
-      </p:par>
-    </p:tnLst>
-  </p:timing>
 </p:sld>
 </file>
 
@@ -9900,15 +9747,7 @@
             </a:pPr>
             <a:r>
               <a:rPr lang="en-US" sz="2600" dirty="0"/>
-              <a:t>We can rewrite the expression term as the following </a:t>
-            </a:r>
-            <a:r>
-              <a:rPr lang="en-US" sz="2600" dirty="0" smtClean="0"/>
-              <a:t>three-address code statements</a:t>
-            </a:r>
-            <a:r>
-              <a:rPr lang="en-US" sz="2600" dirty="0"/>
-              <a:t>:</a:t>
+              <a:t>We can rewrite the expression term as the following three-address code statements:</a:t>
             </a:r>
             <a:br>
               <a:rPr lang="en-US" sz="2600" dirty="0"/>
@@ -9922,11 +9761,7 @@
             </a:br>
             <a:r>
               <a:rPr lang="en-US" sz="2600" dirty="0"/>
-              <a:t>       </a:t>
-            </a:r>
-            <a:r>
-              <a:rPr lang="en-US" sz="2600" dirty="0" smtClean="0"/>
-              <a:t>T$2 = </a:t>
+              <a:t>       T$2 = </a:t>
             </a:r>
             <a:r>
               <a:rPr lang="en-US" sz="2600" dirty="0" err="1"/>
@@ -9934,15 +9769,7 @@
             </a:r>
             <a:r>
               <a:rPr lang="en-US" sz="2600" dirty="0"/>
-              <a:t>(5</a:t>
-            </a:r>
-            <a:r>
-              <a:rPr lang="en-US" sz="2600" dirty="0" smtClean="0"/>
-              <a:t>)</a:t>
-            </a:r>
-            <a:r>
-              <a:rPr lang="en-US" sz="2600" dirty="0"/>
-              <a:t/>
+              <a:t>(5)</a:t>
             </a:r>
             <a:br>
               <a:rPr lang="en-US" sz="2600" dirty="0"/>
@@ -9967,13 +9794,6 @@
   <p:clrMapOvr>
     <a:masterClrMapping/>
   </p:clrMapOvr>
-  <p:timing>
-    <p:tnLst>
-      <p:par>
-        <p:cTn id="1" dur="indefinite" restart="never" nodeType="tmRoot"/>
-      </p:par>
-    </p:tnLst>
-  </p:timing>
 </p:sld>
 </file>
 
@@ -10552,7 +10372,7 @@
           </a:p>
           <a:p>
             <a:r>
-              <a:rPr lang="mr-IN" sz="1200" dirty="0" smtClean="0">
+              <a:rPr lang="mr-IN" sz="1200" dirty="0">
                 <a:solidFill>
                   <a:prstClr val="black"/>
                 </a:solidFill>
@@ -10560,12 +10380,6 @@
               </a:rPr>
               <a:t>#  </a:t>
             </a:r>
-            <a:endParaRPr lang="mr-IN" sz="1200" dirty="0">
-              <a:solidFill>
-                <a:prstClr val="black"/>
-              </a:solidFill>
-              <a:latin typeface="Courier" charset="0"/>
-            </a:endParaRPr>
           </a:p>
           <a:p>
             <a:r>
@@ -10794,13 +10608,6 @@
   <p:clrMapOvr>
     <a:masterClrMapping/>
   </p:clrMapOvr>
-  <p:timing>
-    <p:tnLst>
-      <p:par>
-        <p:cTn id="1" dur="indefinite" restart="never" nodeType="tmRoot"/>
-      </p:par>
-    </p:tnLst>
-  </p:timing>
 </p:sld>
 </file>
 
@@ -10844,7 +10651,7 @@
               <a:rPr lang="en-US" dirty="0"/>
             </a:br>
             <a:r>
-              <a:rPr lang="en-US" dirty="0" smtClean="0"/>
+              <a:rPr lang="en-US" dirty="0"/>
               <a:t>Cuppa3 </a:t>
             </a:r>
             <a:r>
@@ -10891,7 +10698,6 @@
               <a:rPr lang="en-US" sz="2200" dirty="0"/>
               <a:t>The compiler has three phases: </a:t>
             </a:r>
-            <a:endParaRPr lang="en-US" sz="2200" dirty="0" smtClean="0"/>
           </a:p>
           <a:p>
             <a:pPr lvl="1">
@@ -10900,7 +10706,7 @@
               </a:lnSpc>
             </a:pPr>
             <a:r>
-              <a:rPr lang="en-US" sz="1800" dirty="0" smtClean="0"/>
+              <a:rPr lang="en-US" sz="1800" dirty="0"/>
               <a:t>frontend, </a:t>
             </a:r>
           </a:p>
@@ -10911,16 +10717,8 @@
               </a:lnSpc>
             </a:pPr>
             <a:r>
-              <a:rPr lang="en-US" sz="1800" dirty="0" smtClean="0"/>
-              <a:t>semantic analysis/tree </a:t>
-            </a:r>
-            <a:r>
-              <a:rPr lang="en-US" sz="1800" dirty="0" smtClean="0"/>
-              <a:t>rewriting</a:t>
-            </a:r>
-            <a:r>
-              <a:rPr lang="en-US" sz="1800" dirty="0" smtClean="0"/>
-              <a:t>, </a:t>
+              <a:rPr lang="en-US" sz="1800" dirty="0"/>
+              <a:t>semantic analysis/tree rewriting, </a:t>
             </a:r>
           </a:p>
           <a:p>
@@ -10930,12 +10728,8 @@
               </a:lnSpc>
             </a:pPr>
             <a:r>
-              <a:rPr lang="en-US" sz="1800" dirty="0" smtClean="0"/>
-              <a:t>code </a:t>
-            </a:r>
-            <a:r>
               <a:rPr lang="en-US" sz="1800" dirty="0"/>
-              <a:t>generation.</a:t>
+              <a:t>code generation.</a:t>
             </a:r>
           </a:p>
           <a:p>
@@ -10945,16 +10739,8 @@
               </a:lnSpc>
             </a:pPr>
             <a:r>
-              <a:rPr lang="en-US" sz="2200" dirty="0" smtClean="0"/>
-              <a:t>The </a:t>
-            </a:r>
-            <a:r>
               <a:rPr lang="en-US" sz="2200" dirty="0"/>
-              <a:t>symbol table has the same structure as in the </a:t>
-            </a:r>
-            <a:r>
-              <a:rPr lang="en-US" sz="2200" dirty="0" smtClean="0"/>
-              <a:t>interpreter to enforce the semantics of Cuppa3</a:t>
+              <a:t>The symbol table has the same structure as in the interpreter to enforce the semantics of Cuppa3</a:t>
             </a:r>
           </a:p>
           <a:p>
@@ -10964,10 +10750,9 @@
               </a:lnSpc>
             </a:pPr>
             <a:r>
-              <a:rPr lang="en-US" sz="1800" dirty="0" smtClean="0"/>
+              <a:rPr lang="en-US" sz="1800" dirty="0"/>
               <a:t>But the symbol table also has structures that support the generation of target code.</a:t>
             </a:r>
-            <a:endParaRPr lang="en-US" sz="1800" dirty="0"/>
           </a:p>
         </p:txBody>
       </p:sp>
@@ -11501,7 +11286,7 @@
           <a:lstStyle/>
           <a:p>
             <a:r>
-              <a:rPr lang="en-US" dirty="0" smtClean="0"/>
+              <a:rPr lang="en-US" dirty="0"/>
               <a:t>Tree Rewriting Walker</a:t>
             </a:r>
             <a:endParaRPr lang="en-US" sz="1600" dirty="0"/>
@@ -11555,17 +11340,16 @@
           <a:lstStyle/>
           <a:p>
             <a:r>
-              <a:rPr lang="en-US" dirty="0" err="1" smtClean="0"/>
+              <a:rPr lang="en-US" dirty="0" err="1"/>
               <a:t>CodeGen</a:t>
             </a:r>
-            <a:endParaRPr lang="en-US" dirty="0" smtClean="0"/>
-          </a:p>
-          <a:p>
-            <a:r>
-              <a:rPr lang="en-US" dirty="0" smtClean="0"/>
+            <a:endParaRPr lang="en-US" dirty="0"/>
+          </a:p>
+          <a:p>
+            <a:r>
+              <a:rPr lang="en-US" dirty="0"/>
               <a:t>Walker</a:t>
             </a:r>
-            <a:endParaRPr lang="en-US" dirty="0"/>
           </a:p>
         </p:txBody>
       </p:sp>
@@ -12564,10 +12348,9 @@
           <a:lstStyle/>
           <a:p>
             <a:r>
-              <a:rPr lang="en-US" dirty="0" smtClean="0"/>
+              <a:rPr lang="en-US" dirty="0"/>
               <a:t>Frontend</a:t>
             </a:r>
-            <a:endParaRPr lang="en-US" dirty="0"/>
           </a:p>
         </p:txBody>
       </p:sp>
@@ -12576,13 +12359,6 @@
   <p:clrMapOvr>
     <a:masterClrMapping/>
   </p:clrMapOvr>
-  <p:timing>
-    <p:tnLst>
-      <p:par>
-        <p:cTn id="1" dur="indefinite" restart="never" nodeType="tmRoot"/>
-      </p:par>
-    </p:tnLst>
-  </p:timing>
 </p:sld>
 </file>
 
@@ -12619,10 +12395,9 @@
           <a:lstStyle/>
           <a:p>
             <a:r>
-              <a:rPr lang="en-US" dirty="0" smtClean="0"/>
+              <a:rPr lang="en-US" dirty="0"/>
               <a:t>Putting it all together</a:t>
             </a:r>
-            <a:endParaRPr lang="en-US" dirty="0"/>
           </a:p>
         </p:txBody>
       </p:sp>
@@ -12644,80 +12419,79 @@
           <a:lstStyle/>
           <a:p>
             <a:r>
-              <a:rPr lang="en-US" dirty="0" smtClean="0"/>
+              <a:rPr lang="en-US" dirty="0"/>
               <a:t>We use the symbol table to associate source variable names with target names</a:t>
             </a:r>
           </a:p>
           <a:p>
             <a:pPr lvl="1"/>
             <a:r>
-              <a:rPr lang="en-US" dirty="0" smtClean="0"/>
+              <a:rPr lang="en-US" dirty="0"/>
               <a:t>If source  variable is a function local variable then the target name will be a stack frame location</a:t>
             </a:r>
           </a:p>
           <a:p>
             <a:r>
-              <a:rPr lang="en-US" dirty="0" smtClean="0"/>
+              <a:rPr lang="en-US" dirty="0"/>
               <a:t>We use the tree rewriting phase to lower the abstraction level of the AST:</a:t>
             </a:r>
           </a:p>
           <a:p>
             <a:pPr lvl="1"/>
             <a:r>
-              <a:rPr lang="en-US" dirty="0" smtClean="0"/>
+              <a:rPr lang="en-US" dirty="0"/>
               <a:t>Insert target names</a:t>
             </a:r>
           </a:p>
           <a:p>
             <a:pPr lvl="1"/>
             <a:r>
-              <a:rPr lang="en-US" dirty="0" smtClean="0"/>
+              <a:rPr lang="en-US" dirty="0"/>
               <a:t>Generate three-address code</a:t>
             </a:r>
           </a:p>
           <a:p>
             <a:r>
-              <a:rPr lang="en-US" dirty="0" smtClean="0"/>
+              <a:rPr lang="en-US" dirty="0"/>
               <a:t>The lowered AST is already in a format that the </a:t>
             </a:r>
             <a:r>
-              <a:rPr lang="en-US" dirty="0" err="1" smtClean="0"/>
+              <a:rPr lang="en-US" dirty="0" err="1"/>
               <a:t>codegen</a:t>
             </a:r>
             <a:r>
-              <a:rPr lang="en-US" dirty="0" smtClean="0"/>
+              <a:rPr lang="en-US" dirty="0"/>
               <a:t> phase can understand</a:t>
             </a:r>
           </a:p>
           <a:p>
             <a:pPr lvl="1"/>
             <a:r>
-              <a:rPr lang="en-US" dirty="0" smtClean="0"/>
+              <a:rPr lang="en-US" dirty="0"/>
               <a:t>Overall </a:t>
             </a:r>
             <a:r>
-              <a:rPr lang="en-US" dirty="0" err="1" smtClean="0"/>
+              <a:rPr lang="en-US" dirty="0" err="1"/>
               <a:t>codegen</a:t>
             </a:r>
             <a:r>
-              <a:rPr lang="en-US" dirty="0" smtClean="0"/>
+              <a:rPr lang="en-US" dirty="0"/>
               <a:t> structure similar to Cuppa2 compiler</a:t>
             </a:r>
           </a:p>
           <a:p>
             <a:pPr lvl="1"/>
             <a:r>
-              <a:rPr lang="en-US" dirty="0" smtClean="0"/>
+              <a:rPr lang="en-US" dirty="0"/>
               <a:t>However, lots of details with regards to tracking three address-code result locations and stack manipulation</a:t>
             </a:r>
           </a:p>
           <a:p>
             <a:pPr lvl="1"/>
             <a:r>
-              <a:rPr lang="en-US" dirty="0" smtClean="0"/>
+              <a:rPr lang="en-US" dirty="0"/>
               <a:t>That said, most of the changes from the Cuppa2 to the Cuppa3 compiler are in the function declaration/code generation part and the expression handling part.</a:t>
             </a:r>
-            <a:endParaRPr lang="en-US" dirty="0"/>
           </a:p>
         </p:txBody>
       </p:sp>
@@ -12731,13 +12505,6 @@
   <p:clrMapOvr>
     <a:masterClrMapping/>
   </p:clrMapOvr>
-  <p:timing>
-    <p:tnLst>
-      <p:par>
-        <p:cTn id="1" dur="indefinite" restart="never" nodeType="tmRoot"/>
-      </p:par>
-    </p:tnLst>
-  </p:timing>
 </p:sld>
 </file>
 
@@ -12774,10 +12541,9 @@
           <a:lstStyle/>
           <a:p>
             <a:r>
-              <a:rPr lang="en-US" dirty="0" smtClean="0"/>
+              <a:rPr lang="en-US" dirty="0"/>
               <a:t>Putting it all together</a:t>
             </a:r>
-            <a:endParaRPr lang="en-US" dirty="0"/>
           </a:p>
         </p:txBody>
       </p:sp>
@@ -12797,33 +12563,30 @@
           <a:lstStyle/>
           <a:p>
             <a:r>
-              <a:rPr lang="en-US" dirty="0" smtClean="0"/>
+              <a:rPr lang="en-US" dirty="0"/>
               <a:t>The relevant code:</a:t>
             </a:r>
-            <a:endParaRPr lang="en-US" dirty="0" smtClean="0"/>
           </a:p>
           <a:p>
             <a:pPr lvl="1"/>
             <a:r>
-              <a:rPr lang="en-US" dirty="0" smtClean="0"/>
-              <a:t>Cuppa3_cc_symtab.py</a:t>
+              <a:rPr lang="en-US" dirty="0"/>
+              <a:t>cuppa3_cc_symtab.py</a:t>
             </a:r>
           </a:p>
           <a:p>
             <a:pPr lvl="1"/>
             <a:r>
-              <a:rPr lang="en-US" dirty="0" smtClean="0"/>
+              <a:rPr lang="en-US" dirty="0"/>
               <a:t>cuppa3_cc_tree_rewrite.py</a:t>
             </a:r>
-            <a:endParaRPr lang="en-US" dirty="0" smtClean="0"/>
           </a:p>
           <a:p>
             <a:pPr lvl="1"/>
             <a:r>
-              <a:rPr lang="en-US" dirty="0" smtClean="0"/>
+              <a:rPr lang="en-US" dirty="0"/>
               <a:t>cuppa3_cc_codegen.py</a:t>
             </a:r>
-            <a:endParaRPr lang="en-US" dirty="0" smtClean="0"/>
           </a:p>
         </p:txBody>
       </p:sp>
@@ -12837,13 +12600,6 @@
   <p:clrMapOvr>
     <a:masterClrMapping/>
   </p:clrMapOvr>
-  <p:timing>
-    <p:tnLst>
-      <p:par>
-        <p:cTn id="1" dur="indefinite" restart="never" nodeType="tmRoot"/>
-      </p:par>
-    </p:tnLst>
-  </p:timing>
 </p:sld>
 </file>
 
@@ -12880,10 +12636,9 @@
           <a:lstStyle/>
           <a:p>
             <a:r>
-              <a:rPr lang="en-US" dirty="0" smtClean="0"/>
+              <a:rPr lang="en-US" dirty="0"/>
               <a:t>Putting it all together: three-address code generation</a:t>
             </a:r>
-            <a:endParaRPr lang="en-US" dirty="0"/>
           </a:p>
         </p:txBody>
       </p:sp>
@@ -12908,10 +12663,9 @@
           <a:lstStyle/>
           <a:p>
             <a:r>
-              <a:rPr lang="en-US" sz="1400" dirty="0" smtClean="0"/>
+              <a:rPr lang="en-US" sz="1400" dirty="0"/>
               <a:t>Let’s use this program to follow the translation process through the compiler</a:t>
             </a:r>
-            <a:endParaRPr lang="en-US" sz="1400" dirty="0"/>
           </a:p>
         </p:txBody>
       </p:sp>
@@ -12973,13 +12727,6 @@
   <p:clrMapOvr>
     <a:masterClrMapping/>
   </p:clrMapOvr>
-  <p:timing>
-    <p:tnLst>
-      <p:par>
-        <p:cTn id="1" dur="indefinite" restart="never" nodeType="tmRoot"/>
-      </p:par>
-    </p:tnLst>
-  </p:timing>
 </p:sld>
 </file>
 
@@ -13050,28 +12797,8 @@
               </a:lnSpc>
             </a:pPr>
             <a:r>
-              <a:rPr lang="en-US" sz="2600" dirty="0" smtClean="0"/>
-              <a:t>In terms of global code, nothing </a:t>
-            </a:r>
-            <a:r>
               <a:rPr lang="en-US" sz="2600" dirty="0"/>
-              <a:t>has changed </a:t>
-            </a:r>
-            <a:r>
-              <a:rPr lang="en-US" sz="2600" dirty="0" smtClean="0"/>
-              <a:t>from </a:t>
-            </a:r>
-            <a:r>
-              <a:rPr lang="en-US" sz="2600" dirty="0"/>
-              <a:t>our strategy we developed when we compiled </a:t>
-            </a:r>
-            <a:r>
-              <a:rPr lang="en-US" sz="2600" dirty="0" smtClean="0"/>
-              <a:t>Cuppa2 programs </a:t>
-            </a:r>
-            <a:r>
-              <a:rPr lang="en-US" sz="2600" dirty="0"/>
-              <a:t>into bytecode:</a:t>
+              <a:t>In terms of global code, nothing has changed from our strategy we developed when we compiled Cuppa2 programs into bytecode:</a:t>
             </a:r>
           </a:p>
           <a:p>
@@ -13081,20 +12808,8 @@
               </a:lnSpc>
             </a:pPr>
             <a:r>
-              <a:rPr lang="en-US" sz="2200" dirty="0" smtClean="0"/>
-              <a:t>Every program </a:t>
-            </a:r>
-            <a:r>
               <a:rPr lang="en-US" sz="2200" dirty="0"/>
-              <a:t>variable that appears in the </a:t>
-            </a:r>
-            <a:r>
-              <a:rPr lang="en-US" sz="2200" dirty="0" smtClean="0"/>
-              <a:t>Cuppa3 program </a:t>
-            </a:r>
-            <a:r>
-              <a:rPr lang="en-US" sz="2200" dirty="0"/>
-              <a:t>is compiled into a unique global variable in the bytecode</a:t>
+              <a:t>Every program variable that appears in the Cuppa3 program is compiled into a unique global variable in the bytecode</a:t>
             </a:r>
           </a:p>
         </p:txBody>
@@ -13254,34 +12969,16 @@
           </a:p>
           <a:p>
             <a:r>
-              <a:rPr lang="en-US" sz="1200" dirty="0" smtClean="0">
-                <a:solidFill>
-                  <a:prstClr val="black"/>
-                </a:solidFill>
-                <a:latin typeface="Courier" charset="0"/>
-              </a:rPr>
-              <a:t>store </a:t>
-            </a:r>
-            <a:r>
               <a:rPr lang="en-US" sz="1200" dirty="0">
                 <a:solidFill>
                   <a:prstClr val="black"/>
                 </a:solidFill>
                 <a:latin typeface="Courier" charset="0"/>
               </a:rPr>
-              <a:t>t$1 2 ;</a:t>
-            </a:r>
-          </a:p>
-          <a:p>
-            <a:r>
-              <a:rPr lang="en-US" sz="1200" dirty="0" smtClean="0">
-                <a:solidFill>
-                  <a:prstClr val="black"/>
-                </a:solidFill>
-                <a:latin typeface="Courier" charset="0"/>
-              </a:rPr>
-              <a:t>print </a:t>
-            </a:r>
+              <a:t>store t$1 2 ;</a:t>
+            </a:r>
+          </a:p>
+          <a:p>
             <a:r>
               <a:rPr lang="en-US" sz="1200" dirty="0">
                 <a:solidFill>
@@ -13289,19 +12986,10 @@
                 </a:solidFill>
                 <a:latin typeface="Courier" charset="0"/>
               </a:rPr>
-              <a:t>t$1 ;</a:t>
-            </a:r>
-          </a:p>
-          <a:p>
-            <a:r>
-              <a:rPr lang="en-US" sz="1200" dirty="0" smtClean="0">
-                <a:solidFill>
-                  <a:prstClr val="black"/>
-                </a:solidFill>
-                <a:latin typeface="Courier" charset="0"/>
-              </a:rPr>
-              <a:t>store </a:t>
-            </a:r>
+              <a:t>print t$1 ;</a:t>
+            </a:r>
+          </a:p>
+          <a:p>
             <a:r>
               <a:rPr lang="en-US" sz="1200" dirty="0">
                 <a:solidFill>
@@ -13309,19 +12997,10 @@
                 </a:solidFill>
                 <a:latin typeface="Courier" charset="0"/>
               </a:rPr>
-              <a:t>t$2 3 ;</a:t>
-            </a:r>
-          </a:p>
-          <a:p>
-            <a:r>
-              <a:rPr lang="en-US" sz="1200" dirty="0" smtClean="0">
-                <a:solidFill>
-                  <a:prstClr val="black"/>
-                </a:solidFill>
-                <a:latin typeface="Courier" charset="0"/>
-              </a:rPr>
-              <a:t>print </a:t>
-            </a:r>
+              <a:t>store t$2 3 ;</a:t>
+            </a:r>
+          </a:p>
+          <a:p>
             <a:r>
               <a:rPr lang="en-US" sz="1200" dirty="0">
                 <a:solidFill>
@@ -13329,19 +13008,10 @@
                 </a:solidFill>
                 <a:latin typeface="Courier" charset="0"/>
               </a:rPr>
-              <a:t>t$2 ;</a:t>
-            </a:r>
-          </a:p>
-          <a:p>
-            <a:r>
-              <a:rPr lang="en-US" sz="1200" dirty="0" smtClean="0">
-                <a:solidFill>
-                  <a:prstClr val="black"/>
-                </a:solidFill>
-                <a:latin typeface="Courier" charset="0"/>
-              </a:rPr>
-              <a:t>print </a:t>
-            </a:r>
+              <a:t>print t$2 ;</a:t>
+            </a:r>
+          </a:p>
+          <a:p>
             <a:r>
               <a:rPr lang="en-US" sz="1200" dirty="0">
                 <a:solidFill>
@@ -13349,19 +13019,10 @@
                 </a:solidFill>
                 <a:latin typeface="Courier" charset="0"/>
               </a:rPr>
-              <a:t>t$0 ;</a:t>
-            </a:r>
-          </a:p>
-          <a:p>
-            <a:r>
-              <a:rPr lang="en-US" sz="1200" dirty="0" smtClean="0">
-                <a:solidFill>
-                  <a:prstClr val="black"/>
-                </a:solidFill>
-                <a:latin typeface="Courier" charset="0"/>
-              </a:rPr>
-              <a:t>stop </a:t>
-            </a:r>
+              <a:t>print t$0 ;</a:t>
+            </a:r>
+          </a:p>
+          <a:p>
             <a:r>
               <a:rPr lang="en-US" sz="1200" dirty="0">
                 <a:solidFill>
@@ -13369,7 +13030,7 @@
                 </a:solidFill>
                 <a:latin typeface="Courier" charset="0"/>
               </a:rPr>
-              <a:t>;</a:t>
+              <a:t>stop ;</a:t>
             </a:r>
             <a:endParaRPr lang="en-US" sz="1200" dirty="0"/>
           </a:p>
@@ -13419,13 +13080,6 @@
   <p:clrMapOvr>
     <a:masterClrMapping/>
   </p:clrMapOvr>
-  <p:timing>
-    <p:tnLst>
-      <p:par>
-        <p:cTn id="1" dur="indefinite" restart="never" nodeType="tmRoot"/>
-      </p:par>
-    </p:tnLst>
-  </p:timing>
 </p:sld>
 </file>
 
@@ -13462,10 +13116,9 @@
           <a:lstStyle/>
           <a:p>
             <a:r>
-              <a:rPr lang="en-US" dirty="0" smtClean="0"/>
+              <a:rPr lang="en-US" dirty="0"/>
               <a:t>Putting it all together: three-address code generation</a:t>
             </a:r>
-            <a:endParaRPr lang="en-US" dirty="0"/>
           </a:p>
         </p:txBody>
       </p:sp>
@@ -13490,10 +13143,9 @@
           <a:lstStyle/>
           <a:p>
             <a:r>
-              <a:rPr lang="en-US" sz="1400" dirty="0" smtClean="0"/>
+              <a:rPr lang="en-US" sz="1400" dirty="0"/>
               <a:t>The AST right after the front end.</a:t>
             </a:r>
-            <a:endParaRPr lang="en-US" sz="1400" dirty="0"/>
           </a:p>
         </p:txBody>
       </p:sp>
@@ -13531,13 +13183,6 @@
   <p:clrMapOvr>
     <a:masterClrMapping/>
   </p:clrMapOvr>
-  <p:timing>
-    <p:tnLst>
-      <p:par>
-        <p:cTn id="1" dur="indefinite" restart="never" nodeType="tmRoot"/>
-      </p:par>
-    </p:tnLst>
-  </p:timing>
 </p:sld>
 </file>
 
@@ -13574,10 +13219,9 @@
           <a:lstStyle/>
           <a:p>
             <a:r>
-              <a:rPr lang="en-US" dirty="0" smtClean="0"/>
+              <a:rPr lang="en-US" dirty="0"/>
               <a:t>Putting it all together: three-address code generation</a:t>
             </a:r>
-            <a:endParaRPr lang="en-US" dirty="0"/>
           </a:p>
         </p:txBody>
       </p:sp>
@@ -13602,24 +13246,23 @@
           <a:lstStyle/>
           <a:p>
             <a:r>
-              <a:rPr lang="en-US" sz="1400" dirty="0" smtClean="0"/>
+              <a:rPr lang="en-US" sz="1400" dirty="0"/>
               <a:t>The AST right after tree rewriting.</a:t>
             </a:r>
           </a:p>
           <a:p>
             <a:r>
-              <a:rPr lang="en-US" sz="1400" dirty="0" smtClean="0"/>
+              <a:rPr lang="en-US" sz="1400" dirty="0"/>
               <a:t>Notice the additional variable name in the expression AST </a:t>
             </a:r>
             <a:r>
-              <a:rPr lang="mr-IN" sz="1400" dirty="0" smtClean="0"/>
+              <a:rPr lang="mr-IN" sz="1400" dirty="0"/>
               <a:t>–</a:t>
             </a:r>
             <a:r>
-              <a:rPr lang="en-US" sz="1400" dirty="0" smtClean="0"/>
+              <a:rPr lang="en-US" sz="1400" dirty="0"/>
               <a:t> third address!</a:t>
             </a:r>
-            <a:endParaRPr lang="en-US" sz="1400" dirty="0"/>
           </a:p>
         </p:txBody>
       </p:sp>
@@ -13817,13 +13460,6 @@
   <p:clrMapOvr>
     <a:masterClrMapping/>
   </p:clrMapOvr>
-  <p:timing>
-    <p:tnLst>
-      <p:par>
-        <p:cTn id="1" dur="indefinite" restart="never" nodeType="tmRoot"/>
-      </p:par>
-    </p:tnLst>
-  </p:timing>
 </p:sld>
 </file>
 
@@ -13860,10 +13496,9 @@
           <a:lstStyle/>
           <a:p>
             <a:r>
-              <a:rPr lang="en-US" dirty="0" smtClean="0"/>
+              <a:rPr lang="en-US" dirty="0"/>
               <a:t>Putting it all together: three-address code generation</a:t>
             </a:r>
-            <a:endParaRPr lang="en-US" dirty="0"/>
           </a:p>
         </p:txBody>
       </p:sp>
@@ -13912,16 +13547,15 @@
           <a:lstStyle/>
           <a:p>
             <a:r>
-              <a:rPr lang="en-US" sz="1400" dirty="0" smtClean="0"/>
+              <a:rPr lang="en-US" sz="1400" dirty="0"/>
               <a:t>The code generated from the lowered AST</a:t>
             </a:r>
           </a:p>
           <a:p>
             <a:r>
-              <a:rPr lang="en-US" sz="1400" dirty="0" smtClean="0"/>
+              <a:rPr lang="en-US" sz="1400" dirty="0"/>
               <a:t>Notice the statements (arrows) due to three-address code generation</a:t>
             </a:r>
-            <a:endParaRPr lang="en-US" sz="1400" dirty="0"/>
           </a:p>
         </p:txBody>
       </p:sp>
@@ -14119,13 +13753,6 @@
   <p:clrMapOvr>
     <a:masterClrMapping/>
   </p:clrMapOvr>
-  <p:timing>
-    <p:tnLst>
-      <p:par>
-        <p:cTn id="1" dur="indefinite" restart="never" nodeType="tmRoot"/>
-      </p:par>
-    </p:tnLst>
-  </p:timing>
 </p:sld>
 </file>
 
@@ -14162,10 +13789,9 @@
           <a:lstStyle/>
           <a:p>
             <a:r>
-              <a:rPr lang="en-US" dirty="0" smtClean="0"/>
+              <a:rPr lang="en-US" dirty="0"/>
               <a:t>Putting it all together: Function local code</a:t>
             </a:r>
-            <a:endParaRPr lang="en-US" dirty="0"/>
           </a:p>
         </p:txBody>
       </p:sp>
@@ -14190,10 +13816,9 @@
           <a:lstStyle/>
           <a:p>
             <a:r>
-              <a:rPr lang="en-US" sz="1400" dirty="0" smtClean="0"/>
+              <a:rPr lang="en-US" sz="1400" dirty="0"/>
               <a:t>Let’s look at this function and trace the translation process with respect to function local variables</a:t>
             </a:r>
-            <a:endParaRPr lang="en-US" sz="1400" dirty="0"/>
           </a:p>
         </p:txBody>
       </p:sp>
@@ -14231,13 +13856,6 @@
   <p:clrMapOvr>
     <a:masterClrMapping/>
   </p:clrMapOvr>
-  <p:timing>
-    <p:tnLst>
-      <p:par>
-        <p:cTn id="1" dur="indefinite" restart="never" nodeType="tmRoot"/>
-      </p:par>
-    </p:tnLst>
-  </p:timing>
 </p:sld>
 </file>
 
@@ -14274,10 +13892,9 @@
           <a:lstStyle/>
           <a:p>
             <a:r>
-              <a:rPr lang="en-US" dirty="0" smtClean="0"/>
+              <a:rPr lang="en-US" dirty="0"/>
               <a:t>Putting it all together: Function local code</a:t>
             </a:r>
-            <a:endParaRPr lang="en-US" dirty="0"/>
           </a:p>
         </p:txBody>
       </p:sp>
@@ -14302,10 +13919,9 @@
           <a:lstStyle/>
           <a:p>
             <a:r>
-              <a:rPr lang="en-US" sz="1400" dirty="0" smtClean="0"/>
+              <a:rPr lang="en-US" sz="1400" dirty="0"/>
               <a:t>The AST right after the front end</a:t>
             </a:r>
-            <a:endParaRPr lang="en-US" sz="1400" dirty="0"/>
           </a:p>
         </p:txBody>
       </p:sp>
@@ -14503,13 +14119,6 @@
   <p:clrMapOvr>
     <a:masterClrMapping/>
   </p:clrMapOvr>
-  <p:timing>
-    <p:tnLst>
-      <p:par>
-        <p:cTn id="1" dur="indefinite" restart="never" nodeType="tmRoot"/>
-      </p:par>
-    </p:tnLst>
-  </p:timing>
 </p:sld>
 </file>
 
@@ -14546,10 +14155,9 @@
           <a:lstStyle/>
           <a:p>
             <a:r>
-              <a:rPr lang="en-US" dirty="0" smtClean="0"/>
+              <a:rPr lang="en-US" dirty="0"/>
               <a:t>Putting it all together: Function local code</a:t>
             </a:r>
-            <a:endParaRPr lang="en-US" dirty="0"/>
           </a:p>
         </p:txBody>
       </p:sp>
@@ -14574,16 +14182,15 @@
           <a:lstStyle/>
           <a:p>
             <a:r>
-              <a:rPr lang="en-US" sz="1400" dirty="0" smtClean="0"/>
+              <a:rPr lang="en-US" sz="1400" dirty="0"/>
               <a:t>The AST after rewriting</a:t>
             </a:r>
           </a:p>
           <a:p>
             <a:r>
-              <a:rPr lang="en-US" sz="1400" dirty="0" smtClean="0"/>
+              <a:rPr lang="en-US" sz="1400" dirty="0"/>
               <a:t>Both function local variables and three address code generation are represented!</a:t>
             </a:r>
-            <a:endParaRPr lang="en-US" sz="1400" dirty="0"/>
           </a:p>
         </p:txBody>
       </p:sp>
@@ -15034,10 +14641,9 @@
           <a:lstStyle/>
           <a:p>
             <a:r>
-              <a:rPr lang="en-US" sz="1400" dirty="0" smtClean="0"/>
+              <a:rPr lang="en-US" sz="1400" dirty="0"/>
               <a:t>Formal arguments</a:t>
             </a:r>
-            <a:endParaRPr lang="en-US" sz="1400" dirty="0"/>
           </a:p>
         </p:txBody>
       </p:sp>
@@ -15144,10 +14750,9 @@
           <a:lstStyle/>
           <a:p>
             <a:r>
-              <a:rPr lang="en-US" sz="1400" dirty="0" smtClean="0"/>
+              <a:rPr lang="en-US" sz="1400" dirty="0"/>
               <a:t>3-addr code temps</a:t>
             </a:r>
-            <a:endParaRPr lang="en-US" sz="1400" dirty="0"/>
           </a:p>
         </p:txBody>
       </p:sp>
@@ -15414,10 +15019,9 @@
           <a:lstStyle/>
           <a:p>
             <a:r>
-              <a:rPr lang="en-US" sz="1400" dirty="0" smtClean="0"/>
+              <a:rPr lang="en-US" sz="1400" dirty="0"/>
               <a:t>Formal arguments</a:t>
             </a:r>
-            <a:endParaRPr lang="en-US" sz="1400" dirty="0"/>
           </a:p>
         </p:txBody>
       </p:sp>
@@ -15431,13 +15035,6 @@
   <p:clrMapOvr>
     <a:masterClrMapping/>
   </p:clrMapOvr>
-  <p:timing>
-    <p:tnLst>
-      <p:par>
-        <p:cTn id="1" dur="indefinite" restart="never" nodeType="tmRoot"/>
-      </p:par>
-    </p:tnLst>
-  </p:timing>
 </p:sld>
 </file>
 
@@ -15474,10 +15071,9 @@
           <a:lstStyle/>
           <a:p>
             <a:r>
-              <a:rPr lang="en-US" dirty="0" smtClean="0"/>
+              <a:rPr lang="en-US" dirty="0"/>
               <a:t>Putting it all together: Function local code</a:t>
             </a:r>
-            <a:endParaRPr lang="en-US" dirty="0"/>
           </a:p>
         </p:txBody>
       </p:sp>
@@ -15526,7 +15122,7 @@
           <a:lstStyle/>
           <a:p>
             <a:r>
-              <a:rPr lang="en-US" sz="1400" dirty="0" smtClean="0"/>
+              <a:rPr lang="en-US" sz="1400" dirty="0"/>
               <a:t>Generated code</a:t>
             </a:r>
           </a:p>
@@ -15955,10 +15551,9 @@
           <a:lstStyle/>
           <a:p>
             <a:r>
-              <a:rPr lang="en-US" sz="1400" dirty="0" smtClean="0"/>
+              <a:rPr lang="en-US" sz="1400" dirty="0"/>
               <a:t>Formal arguments</a:t>
             </a:r>
-            <a:endParaRPr lang="en-US" sz="1400" dirty="0"/>
           </a:p>
         </p:txBody>
       </p:sp>
@@ -16065,10 +15660,9 @@
           <a:lstStyle/>
           <a:p>
             <a:r>
-              <a:rPr lang="en-US" sz="1400" dirty="0" smtClean="0"/>
+              <a:rPr lang="en-US" sz="1400" dirty="0"/>
               <a:t>3-addr code temps</a:t>
             </a:r>
-            <a:endParaRPr lang="en-US" sz="1400" dirty="0"/>
           </a:p>
         </p:txBody>
       </p:sp>
@@ -16082,13 +15676,6 @@
   <p:clrMapOvr>
     <a:masterClrMapping/>
   </p:clrMapOvr>
-  <p:timing>
-    <p:tnLst>
-      <p:par>
-        <p:cTn id="1" dur="indefinite" restart="never" nodeType="tmRoot"/>
-      </p:par>
-    </p:tnLst>
-  </p:timing>
 </p:sld>
 </file>
 
@@ -16125,10 +15712,9 @@
           <a:lstStyle/>
           <a:p>
             <a:r>
-              <a:rPr lang="en-US" dirty="0" smtClean="0"/>
+              <a:rPr lang="en-US" dirty="0"/>
               <a:t>Putting it all together</a:t>
             </a:r>
-            <a:endParaRPr lang="en-US" dirty="0"/>
           </a:p>
         </p:txBody>
       </p:sp>
@@ -16153,7 +15739,7 @@
           <a:lstStyle/>
           <a:p>
             <a:r>
-              <a:rPr lang="en-US" sz="1400" dirty="0" smtClean="0"/>
+              <a:rPr lang="en-US" sz="1400" dirty="0"/>
               <a:t>The program</a:t>
             </a:r>
           </a:p>
@@ -16193,13 +15779,6 @@
   <p:clrMapOvr>
     <a:masterClrMapping/>
   </p:clrMapOvr>
-  <p:timing>
-    <p:tnLst>
-      <p:par>
-        <p:cTn id="1" dur="indefinite" restart="never" nodeType="tmRoot"/>
-      </p:par>
-    </p:tnLst>
-  </p:timing>
 </p:sld>
 </file>
 
@@ -16236,10 +15815,9 @@
           <a:lstStyle/>
           <a:p>
             <a:r>
-              <a:rPr lang="en-US" dirty="0" smtClean="0"/>
+              <a:rPr lang="en-US" dirty="0"/>
               <a:t>Putting it all together</a:t>
             </a:r>
-            <a:endParaRPr lang="en-US" dirty="0"/>
           </a:p>
         </p:txBody>
       </p:sp>
@@ -16264,7 +15842,7 @@
           <a:lstStyle/>
           <a:p>
             <a:r>
-              <a:rPr lang="en-US" sz="1400" dirty="0" smtClean="0"/>
+              <a:rPr lang="en-US" sz="1400" dirty="0"/>
               <a:t>The front end AST</a:t>
             </a:r>
           </a:p>
@@ -16384,13 +15962,6 @@
   <p:clrMapOvr>
     <a:masterClrMapping/>
   </p:clrMapOvr>
-  <p:timing>
-    <p:tnLst>
-      <p:par>
-        <p:cTn id="1" dur="indefinite" restart="never" nodeType="tmRoot"/>
-      </p:par>
-    </p:tnLst>
-  </p:timing>
 </p:sld>
 </file>
 
@@ -16427,10 +15998,9 @@
           <a:lstStyle/>
           <a:p>
             <a:r>
-              <a:rPr lang="en-US" dirty="0" smtClean="0"/>
+              <a:rPr lang="en-US" dirty="0"/>
               <a:t>Putting it all together</a:t>
             </a:r>
-            <a:endParaRPr lang="en-US" dirty="0"/>
           </a:p>
         </p:txBody>
       </p:sp>
@@ -16455,7 +16025,7 @@
           <a:lstStyle/>
           <a:p>
             <a:r>
-              <a:rPr lang="en-US" sz="1400" dirty="0" smtClean="0"/>
+              <a:rPr lang="en-US" sz="1400" dirty="0"/>
               <a:t>The rewritten AST</a:t>
             </a:r>
           </a:p>
@@ -16575,13 +16145,6 @@
   <p:clrMapOvr>
     <a:masterClrMapping/>
   </p:clrMapOvr>
-  <p:timing>
-    <p:tnLst>
-      <p:par>
-        <p:cTn id="1" dur="indefinite" restart="never" nodeType="tmRoot"/>
-      </p:par>
-    </p:tnLst>
-  </p:timing>
 </p:sld>
 </file>
 
@@ -16647,15 +16210,7 @@
           <a:p>
             <a:r>
               <a:rPr lang="en-US" dirty="0"/>
-              <a:t>The actual parameters are pushed on the stack in </a:t>
-            </a:r>
-            <a:r>
-              <a:rPr lang="en-US" dirty="0" smtClean="0"/>
-              <a:t>reverse order, </a:t>
-            </a:r>
-            <a:r>
-              <a:rPr lang="en-US" dirty="0"/>
-              <a:t>and this is done before the function frame is created.</a:t>
+              <a:t>The actual parameters are pushed on the stack in reverse order, and this is done before the function frame is created.</a:t>
             </a:r>
           </a:p>
           <a:p>
@@ -16671,13 +16226,6 @@
   <p:clrMapOvr>
     <a:masterClrMapping/>
   </p:clrMapOvr>
-  <p:timing>
-    <p:tnLst>
-      <p:par>
-        <p:cTn id="1" dur="indefinite" restart="never" nodeType="tmRoot"/>
-      </p:par>
-    </p:tnLst>
-  </p:timing>
 </p:sld>
 </file>
 
@@ -16714,10 +16262,9 @@
           <a:lstStyle/>
           <a:p>
             <a:r>
-              <a:rPr lang="en-US" dirty="0" smtClean="0"/>
+              <a:rPr lang="en-US" dirty="0"/>
               <a:t>Putting it all together</a:t>
             </a:r>
-            <a:endParaRPr lang="en-US" dirty="0"/>
           </a:p>
         </p:txBody>
       </p:sp>
@@ -16742,7 +16289,7 @@
           <a:lstStyle/>
           <a:p>
             <a:r>
-              <a:rPr lang="en-US" sz="1400" dirty="0" smtClean="0"/>
+              <a:rPr lang="en-US" sz="1400" dirty="0"/>
               <a:t>The rewritten AST</a:t>
             </a:r>
           </a:p>
@@ -16862,13 +16409,6 @@
   <p:clrMapOvr>
     <a:masterClrMapping/>
   </p:clrMapOvr>
-  <p:timing>
-    <p:tnLst>
-      <p:par>
-        <p:cTn id="1" dur="indefinite" restart="never" nodeType="tmRoot"/>
-      </p:par>
-    </p:tnLst>
-  </p:timing>
 </p:sld>
 </file>
 
@@ -16905,10 +16445,9 @@
           <a:lstStyle/>
           <a:p>
             <a:r>
-              <a:rPr lang="en-US" dirty="0" smtClean="0"/>
+              <a:rPr lang="en-US" dirty="0"/>
               <a:t>The Symbol Table</a:t>
             </a:r>
-            <a:endParaRPr lang="en-US" dirty="0"/>
           </a:p>
         </p:txBody>
       </p:sp>
@@ -16928,31 +16467,30 @@
           <a:lstStyle/>
           <a:p>
             <a:r>
-              <a:rPr lang="en-US" dirty="0" smtClean="0"/>
+              <a:rPr lang="en-US" dirty="0"/>
               <a:t>The symbol table has additional functionality to deal with</a:t>
             </a:r>
           </a:p>
           <a:p>
             <a:pPr lvl="1"/>
             <a:r>
-              <a:rPr lang="en-US" dirty="0" smtClean="0"/>
+              <a:rPr lang="en-US" dirty="0"/>
               <a:t>The stack frame</a:t>
             </a:r>
           </a:p>
           <a:p>
             <a:pPr lvl="1"/>
             <a:r>
-              <a:rPr lang="en-US" dirty="0" smtClean="0"/>
+              <a:rPr lang="en-US" dirty="0"/>
               <a:t>Scalars vs functions</a:t>
             </a:r>
           </a:p>
           <a:p>
             <a:pPr lvl="1"/>
             <a:r>
-              <a:rPr lang="en-US" smtClean="0"/>
+              <a:rPr lang="en-US"/>
               <a:t>Function local vs global variables</a:t>
             </a:r>
-            <a:endParaRPr lang="en-US"/>
           </a:p>
         </p:txBody>
       </p:sp>
@@ -17002,10 +16540,9 @@
           <a:lstStyle/>
           <a:p>
             <a:r>
-              <a:rPr lang="en-US" dirty="0" smtClean="0"/>
+              <a:rPr lang="en-US" dirty="0"/>
               <a:t>The Symbol Table</a:t>
             </a:r>
-            <a:endParaRPr lang="en-US" dirty="0"/>
           </a:p>
         </p:txBody>
       </p:sp>
@@ -17113,10 +16650,9 @@
           <a:lstStyle/>
           <a:p>
             <a:r>
-              <a:rPr lang="en-US" dirty="0" smtClean="0"/>
+              <a:rPr lang="en-US" dirty="0"/>
               <a:t>The Symbol Table</a:t>
             </a:r>
-            <a:endParaRPr lang="en-US" dirty="0"/>
           </a:p>
         </p:txBody>
       </p:sp>
@@ -17195,10 +16731,9 @@
           <a:lstStyle/>
           <a:p>
             <a:r>
-              <a:rPr lang="en-US" dirty="0" smtClean="0"/>
+              <a:rPr lang="en-US" dirty="0"/>
               <a:t>The Symbol Table</a:t>
             </a:r>
-            <a:endParaRPr lang="en-US" dirty="0"/>
           </a:p>
         </p:txBody>
       </p:sp>
@@ -17437,10 +16972,9 @@
           <a:lstStyle/>
           <a:p>
             <a:r>
-              <a:rPr lang="en-US" dirty="0" smtClean="0"/>
+              <a:rPr lang="en-US" dirty="0"/>
               <a:t>The Symbol Table</a:t>
             </a:r>
-            <a:endParaRPr lang="en-US" dirty="0"/>
           </a:p>
         </p:txBody>
       </p:sp>
@@ -17599,10 +17133,9 @@
           <a:lstStyle/>
           <a:p>
             <a:r>
-              <a:rPr lang="en-US" dirty="0" smtClean="0"/>
+              <a:rPr lang="en-US" dirty="0"/>
               <a:t>Tree Rewriting</a:t>
             </a:r>
-            <a:endParaRPr lang="en-US" dirty="0"/>
           </a:p>
         </p:txBody>
       </p:sp>
@@ -17622,16 +17155,15 @@
           <a:lstStyle/>
           <a:p>
             <a:r>
-              <a:rPr lang="en-US" dirty="0" smtClean="0"/>
+              <a:rPr lang="en-US" dirty="0"/>
               <a:t>Generate three address code</a:t>
             </a:r>
           </a:p>
           <a:p>
             <a:r>
-              <a:rPr lang="en-US" dirty="0" smtClean="0"/>
+              <a:rPr lang="en-US" dirty="0"/>
               <a:t>Replace original variable names with target names</a:t>
             </a:r>
-            <a:endParaRPr lang="en-US" dirty="0"/>
           </a:p>
         </p:txBody>
       </p:sp>
@@ -17681,10 +17213,9 @@
           <a:lstStyle/>
           <a:p>
             <a:r>
-              <a:rPr lang="en-US" dirty="0" smtClean="0"/>
+              <a:rPr lang="en-US" dirty="0"/>
               <a:t>Tree Rewriting</a:t>
             </a:r>
-            <a:endParaRPr lang="en-US" dirty="0"/>
           </a:p>
         </p:txBody>
       </p:sp>
@@ -17709,10 +17240,9 @@
           <a:lstStyle/>
           <a:p>
             <a:r>
-              <a:rPr lang="en-US" sz="1400" dirty="0" smtClean="0"/>
+              <a:rPr lang="en-US" sz="1400" dirty="0"/>
               <a:t>Insert a temporary variable into expression as the “third address”</a:t>
             </a:r>
-            <a:endParaRPr lang="en-US" sz="1400" dirty="0"/>
           </a:p>
         </p:txBody>
       </p:sp>
@@ -18009,10 +17539,9 @@
           <a:lstStyle/>
           <a:p>
             <a:r>
-              <a:rPr lang="en-US" dirty="0" smtClean="0"/>
+              <a:rPr lang="en-US" dirty="0"/>
               <a:t>Tree Rewriting</a:t>
             </a:r>
-            <a:endParaRPr lang="en-US" dirty="0"/>
           </a:p>
         </p:txBody>
       </p:sp>
@@ -18037,10 +17566,9 @@
           <a:lstStyle/>
           <a:p>
             <a:r>
-              <a:rPr lang="en-US" sz="1400" dirty="0" smtClean="0"/>
+              <a:rPr lang="en-US" sz="1400" dirty="0"/>
               <a:t>Insert a temporary variable into call expression as the “third address”</a:t>
             </a:r>
-            <a:endParaRPr lang="en-US" sz="1400" dirty="0"/>
           </a:p>
         </p:txBody>
       </p:sp>
@@ -18228,10 +17756,9 @@
           <a:lstStyle/>
           <a:p>
             <a:r>
-              <a:rPr lang="en-US" dirty="0" smtClean="0"/>
+              <a:rPr lang="en-US" dirty="0"/>
               <a:t>Tree Rewriting</a:t>
             </a:r>
-            <a:endParaRPr lang="en-US" dirty="0"/>
           </a:p>
         </p:txBody>
       </p:sp>
@@ -18256,10 +17783,9 @@
           <a:lstStyle/>
           <a:p>
             <a:r>
-              <a:rPr lang="en-US" sz="1400" dirty="0" smtClean="0"/>
+              <a:rPr lang="en-US" sz="1400" dirty="0"/>
               <a:t>Function declarations get rewritten into function definitions which contain the frame size.</a:t>
             </a:r>
-            <a:endParaRPr lang="en-US" sz="1400" dirty="0"/>
           </a:p>
         </p:txBody>
       </p:sp>
@@ -19243,13 +18769,6 @@
   <p:clrMapOvr>
     <a:masterClrMapping/>
   </p:clrMapOvr>
-  <p:timing>
-    <p:tnLst>
-      <p:par>
-        <p:cTn id="1" dur="indefinite" restart="never" nodeType="tmRoot"/>
-      </p:par>
-    </p:tnLst>
-  </p:timing>
 </p:sld>
 </file>
 
@@ -19286,10 +18805,9 @@
           <a:lstStyle/>
           <a:p>
             <a:r>
-              <a:rPr lang="en-US" dirty="0" smtClean="0"/>
+              <a:rPr lang="en-US" dirty="0"/>
               <a:t>Tree Rewriting</a:t>
             </a:r>
-            <a:endParaRPr lang="en-US" dirty="0"/>
           </a:p>
         </p:txBody>
       </p:sp>
@@ -19314,10 +18832,9 @@
           <a:lstStyle/>
           <a:p>
             <a:r>
-              <a:rPr lang="en-US" sz="1400" dirty="0" smtClean="0"/>
+              <a:rPr lang="en-US" sz="1400" dirty="0"/>
               <a:t>Original variable names are replaced with target names.</a:t>
             </a:r>
-            <a:endParaRPr lang="en-US" sz="1400" dirty="0"/>
           </a:p>
         </p:txBody>
       </p:sp>
@@ -19454,10 +18971,9 @@
           <a:lstStyle/>
           <a:p>
             <a:r>
-              <a:rPr lang="en-US" dirty="0" smtClean="0"/>
+              <a:rPr lang="en-US" dirty="0"/>
               <a:t>Code Generation</a:t>
             </a:r>
-            <a:endParaRPr lang="en-US" dirty="0"/>
           </a:p>
         </p:txBody>
       </p:sp>
@@ -19477,22 +18993,21 @@
           <a:lstStyle/>
           <a:p>
             <a:r>
-              <a:rPr lang="en-US" dirty="0" smtClean="0"/>
+              <a:rPr lang="en-US" dirty="0"/>
               <a:t>Very similar to the Cuppa2 compiler</a:t>
             </a:r>
           </a:p>
           <a:p>
             <a:r>
-              <a:rPr lang="en-US" dirty="0" smtClean="0"/>
+              <a:rPr lang="en-US" dirty="0"/>
               <a:t>All statement level patterns carry over almost unmodified</a:t>
             </a:r>
           </a:p>
           <a:p>
             <a:r>
-              <a:rPr lang="en-US" dirty="0" smtClean="0"/>
+              <a:rPr lang="en-US" dirty="0"/>
               <a:t>Expressions need to keep track of the “third address” or “target address” of the three address code encoding.</a:t>
             </a:r>
-            <a:endParaRPr lang="en-US" dirty="0"/>
           </a:p>
         </p:txBody>
       </p:sp>
@@ -19542,10 +19057,9 @@
           <a:lstStyle/>
           <a:p>
             <a:r>
-              <a:rPr lang="en-US" dirty="0" smtClean="0"/>
+              <a:rPr lang="en-US" dirty="0"/>
               <a:t>Code Generation</a:t>
             </a:r>
-            <a:endParaRPr lang="en-US" dirty="0"/>
           </a:p>
         </p:txBody>
       </p:sp>
@@ -19570,31 +19084,27 @@
           <a:lstStyle/>
           <a:p>
             <a:r>
-              <a:rPr lang="en-US" sz="1400" dirty="0" smtClean="0"/>
+              <a:rPr lang="en-US" sz="1400" dirty="0"/>
               <a:t>The code generator keeps track of the location where the value of an expression is stored</a:t>
             </a:r>
           </a:p>
           <a:p>
             <a:r>
-              <a:rPr lang="en-US" sz="1400" dirty="0" smtClean="0"/>
+              <a:rPr lang="en-US" sz="1400" dirty="0"/>
               <a:t>Returns a pair for an expression: </a:t>
-            </a:r>
-            <a:br>
-              <a:rPr lang="en-US" sz="1400" dirty="0" smtClean="0"/>
-            </a:br>
-            <a:r>
-              <a:rPr lang="en-US" sz="1400" dirty="0" smtClean="0"/>
-              <a:t>(1) code</a:t>
-            </a:r>
-            <a:r>
-              <a:rPr lang="en-US" sz="1400" dirty="0"/>
-              <a:t/>
             </a:r>
             <a:br>
               <a:rPr lang="en-US" sz="1400" dirty="0"/>
             </a:br>
             <a:r>
-              <a:rPr lang="en-US" sz="1400" dirty="0" smtClean="0"/>
+              <a:rPr lang="en-US" sz="1400" dirty="0"/>
+              <a:t>(1) code</a:t>
+            </a:r>
+            <a:br>
+              <a:rPr lang="en-US" sz="1400" dirty="0"/>
+            </a:br>
+            <a:r>
+              <a:rPr lang="en-US" sz="1400" dirty="0"/>
               <a:t>(2) location</a:t>
             </a:r>
           </a:p>
@@ -19733,10 +19243,9 @@
           <a:lstStyle/>
           <a:p>
             <a:r>
-              <a:rPr lang="en-US" dirty="0" smtClean="0"/>
+              <a:rPr lang="en-US" dirty="0"/>
               <a:t>Code Generation</a:t>
             </a:r>
-            <a:endParaRPr lang="en-US" dirty="0"/>
           </a:p>
         </p:txBody>
       </p:sp>
@@ -19761,19 +19270,19 @@
           <a:lstStyle/>
           <a:p>
             <a:r>
-              <a:rPr lang="en-US" sz="1400" dirty="0" smtClean="0"/>
+              <a:rPr lang="en-US" sz="1400" dirty="0"/>
               <a:t>The while statement is probably the best example to see how the pair returned by generating code for an expression is used.</a:t>
             </a:r>
           </a:p>
           <a:p>
             <a:r>
-              <a:rPr lang="en-US" sz="1400" dirty="0" smtClean="0"/>
+              <a:rPr lang="en-US" sz="1400" dirty="0"/>
               <a:t>Note that we first put the code for the expression into the output stream</a:t>
             </a:r>
           </a:p>
           <a:p>
             <a:r>
-              <a:rPr lang="en-US" sz="1400" dirty="0" smtClean="0"/>
+              <a:rPr lang="en-US" sz="1400" dirty="0"/>
               <a:t>Then we use the location in the conditional jump instruction.</a:t>
             </a:r>
           </a:p>
@@ -19887,29 +19396,13 @@
             </a:pPr>
             <a:r>
               <a:rPr lang="en-US" sz="2000" dirty="0"/>
-              <a:t>Consider the </a:t>
-            </a:r>
-            <a:r>
-              <a:rPr lang="en-US" sz="2000" dirty="0" smtClean="0"/>
-              <a:t>call </a:t>
-            </a:r>
-            <a:r>
+              <a:t>Consider the call add(3,2) to the function defined as </a:t>
+            </a:r>
+            <a:br>
               <a:rPr lang="en-US" sz="2000" dirty="0"/>
-              <a:t>add(3,2) to the </a:t>
-            </a:r>
-            <a:r>
-              <a:rPr lang="en-US" sz="2000" dirty="0" smtClean="0"/>
-              <a:t>function defined as </a:t>
-            </a:r>
+            </a:br>
             <a:br>
-              <a:rPr lang="en-US" sz="2000" dirty="0" smtClean="0"/>
-            </a:br>
-            <a:r>
-              <a:rPr lang="en-US" sz="2000" dirty="0" smtClean="0"/>
-              <a:t/>
-            </a:r>
-            <a:br>
-              <a:rPr lang="en-US" sz="2000" dirty="0" smtClean="0"/>
+              <a:rPr lang="en-US" sz="2000" dirty="0"/>
             </a:br>
             <a:endParaRPr lang="en-US" sz="2000" dirty="0"/>
           </a:p>
@@ -20467,19 +19960,7 @@
             </a:r>
             <a:r>
               <a:rPr lang="en-US" sz="1200" dirty="0"/>
-              <a:t>[-4]</a:t>
-            </a:r>
-            <a:r>
-              <a:rPr lang="en-US" sz="1200" dirty="0" smtClean="0"/>
-              <a:t>;                    </a:t>
-            </a:r>
-            <a:r>
-              <a:rPr lang="en-US" sz="1200" dirty="0"/>
-              <a:t>#</a:t>
-            </a:r>
-            <a:r>
-              <a:rPr lang="en-US" sz="1200" dirty="0" smtClean="0"/>
-              <a:t> </a:t>
+              <a:t>[-4];                    # </a:t>
             </a:r>
             <a:r>
               <a:rPr lang="en-US" sz="1200" dirty="0" err="1"/>
@@ -20509,19 +19990,7 @@
             </a:r>
             <a:r>
               <a:rPr lang="en-US" sz="1200" dirty="0"/>
-              <a:t>[-5]; </a:t>
-            </a:r>
-            <a:r>
-              <a:rPr lang="en-US" sz="1200" dirty="0" smtClean="0"/>
-              <a:t>                  </a:t>
-            </a:r>
-            <a:r>
-              <a:rPr lang="en-US" sz="1200" dirty="0"/>
-              <a:t>#</a:t>
-            </a:r>
-            <a:r>
-              <a:rPr lang="en-US" sz="1200" dirty="0" smtClean="0"/>
-              <a:t> </a:t>
+              <a:t>[-5];                   # </a:t>
             </a:r>
             <a:r>
               <a:rPr lang="en-US" sz="1200" dirty="0" err="1"/>
@@ -20559,21 +20028,8 @@
             </a:r>
             <a:r>
               <a:rPr lang="en-US" sz="1200" dirty="0"/>
-              <a:t>[-1])</a:t>
-            </a:r>
-            <a:r>
-              <a:rPr lang="en-US" sz="1200" dirty="0" smtClean="0"/>
-              <a:t>; </a:t>
-            </a:r>
-            <a:r>
-              <a:rPr lang="en-US" sz="1200" dirty="0"/>
-              <a:t>#</a:t>
-            </a:r>
-            <a:r>
-              <a:rPr lang="en-US" sz="1200" dirty="0" smtClean="0"/>
-              <a:t> store temp</a:t>
-            </a:r>
-            <a:endParaRPr lang="en-US" sz="1200" dirty="0"/>
+              <a:t>[-1]); # store temp</a:t>
+            </a:r>
           </a:p>
           <a:p>
             <a:r>
@@ -20629,7 +20085,7 @@
         </p:nvSpPr>
         <p:spPr bwMode="auto">
           <a:xfrm>
-            <a:off x="1676400" y="5867400"/>
+            <a:off x="1692274" y="5867400"/>
             <a:ext cx="1600200" cy="381000"/>
           </a:xfrm>
           <a:prstGeom prst="rect">
@@ -20761,44 +20217,44 @@
           <a:lstStyle/>
           <a:p>
             <a:r>
-              <a:rPr lang="en-US" sz="1200" dirty="0" smtClean="0"/>
+              <a:rPr lang="en-US" sz="1200" dirty="0"/>
               <a:t>declare add(</a:t>
             </a:r>
             <a:r>
-              <a:rPr lang="en-US" sz="1200" dirty="0" err="1" smtClean="0"/>
+              <a:rPr lang="en-US" sz="1200" dirty="0" err="1"/>
               <a:t>a,b</a:t>
             </a:r>
             <a:r>
-              <a:rPr lang="en-US" sz="1200" dirty="0" smtClean="0"/>
+              <a:rPr lang="en-US" sz="1200" dirty="0"/>
               <a:t>) {</a:t>
             </a:r>
             <a:br>
-              <a:rPr lang="en-US" sz="1200" dirty="0" smtClean="0"/>
+              <a:rPr lang="en-US" sz="1200" dirty="0"/>
             </a:br>
             <a:r>
-              <a:rPr lang="en-US" sz="1200" dirty="0" smtClean="0"/>
+              <a:rPr lang="en-US" sz="1200" dirty="0"/>
               <a:t>       declare temp = </a:t>
             </a:r>
             <a:r>
-              <a:rPr lang="en-US" sz="1200" dirty="0" err="1" smtClean="0"/>
+              <a:rPr lang="en-US" sz="1200" dirty="0" err="1"/>
               <a:t>a+b</a:t>
             </a:r>
             <a:r>
-              <a:rPr lang="en-US" sz="1200" dirty="0" smtClean="0"/>
+              <a:rPr lang="en-US" sz="1200" dirty="0"/>
               <a:t>;</a:t>
             </a:r>
             <a:br>
-              <a:rPr lang="en-US" sz="1200" dirty="0" smtClean="0"/>
+              <a:rPr lang="en-US" sz="1200" dirty="0"/>
             </a:br>
             <a:r>
-              <a:rPr lang="en-US" sz="1200" dirty="0" smtClean="0"/>
+              <a:rPr lang="en-US" sz="1200" dirty="0"/>
               <a:t>       return temp;</a:t>
             </a:r>
             <a:br>
-              <a:rPr lang="en-US" sz="1200" dirty="0" smtClean="0"/>
+              <a:rPr lang="en-US" sz="1200" dirty="0"/>
             </a:br>
             <a:r>
-              <a:rPr lang="en-US" sz="1200" dirty="0" smtClean="0"/>
+              <a:rPr lang="en-US" sz="1200" dirty="0"/>
               <a:t> }</a:t>
             </a:r>
           </a:p>
@@ -20809,13 +20265,6 @@
   <p:clrMapOvr>
     <a:masterClrMapping/>
   </p:clrMapOvr>
-  <p:timing>
-    <p:tnLst>
-      <p:par>
-        <p:cTn id="1" dur="indefinite" restart="never" nodeType="tmRoot"/>
-      </p:par>
-    </p:tnLst>
-  </p:timing>
 </p:sld>
 </file>
 
@@ -20943,13 +20392,8 @@
           <a:p>
             <a:r>
               <a:rPr lang="en-US" sz="1400" dirty="0"/>
-              <a:t>// a program with nested functions that </a:t>
-            </a:r>
-            <a:r>
-              <a:rPr lang="en-US" sz="1400" dirty="0" smtClean="0"/>
-              <a:t>makes</a:t>
-            </a:r>
-            <a:endParaRPr lang="en-US" sz="1400" dirty="0"/>
+              <a:t>// a program with nested functions that makes</a:t>
+            </a:r>
           </a:p>
           <a:p>
             <a:r>
@@ -21233,13 +20677,6 @@
   <p:clrMapOvr>
     <a:masterClrMapping/>
   </p:clrMapOvr>
-  <p:timing>
-    <p:tnLst>
-      <p:par>
-        <p:cTn id="1" dur="indefinite" restart="never" nodeType="tmRoot"/>
-      </p:par>
-    </p:tnLst>
-  </p:timing>
 </p:sld>
 </file>
 
@@ -21855,19 +21292,7 @@
             </a:r>
             <a:r>
               <a:rPr lang="en-US" sz="1200" dirty="0"/>
-              <a:t>[-3</a:t>
-            </a:r>
-            <a:r>
-              <a:rPr lang="en-US" sz="1200" dirty="0" smtClean="0"/>
-              <a:t>] ;                        </a:t>
-            </a:r>
-            <a:r>
-              <a:rPr lang="en-US" sz="1200" dirty="0"/>
-              <a:t>#</a:t>
-            </a:r>
-            <a:r>
-              <a:rPr lang="en-US" sz="1200" dirty="0" smtClean="0"/>
-              <a:t> </a:t>
+              <a:t>[-3] ;                        # </a:t>
             </a:r>
             <a:r>
               <a:rPr lang="en-US" sz="1200" dirty="0" err="1"/>
@@ -21925,21 +21350,16 @@
             </a:r>
             <a:r>
               <a:rPr lang="en-US" sz="1200" dirty="0"/>
-              <a:t> )</a:t>
-            </a:r>
-            <a:r>
-              <a:rPr lang="en-US" sz="1200" dirty="0" smtClean="0"/>
-              <a:t>;  # </a:t>
-            </a:r>
-            <a:r>
-              <a:rPr lang="en-US" sz="1200" dirty="0" err="1" smtClean="0"/>
+              <a:t> );  # </a:t>
+            </a:r>
+            <a:r>
+              <a:rPr lang="en-US" sz="1200" dirty="0" err="1"/>
               <a:t>inc</a:t>
             </a:r>
             <a:r>
-              <a:rPr lang="en-US" sz="1200" dirty="0" smtClean="0"/>
+              <a:rPr lang="en-US" sz="1200" dirty="0"/>
               <a:t> value into temp</a:t>
             </a:r>
-            <a:endParaRPr lang="en-US" sz="1200" dirty="0"/>
           </a:p>
           <a:p>
             <a:r>
@@ -22198,7 +21618,7 @@
           <a:lstStyle/>
           <a:p>
             <a:r>
-              <a:rPr lang="en-US" sz="1600"/>
+              <a:rPr lang="en-US" sz="1600" dirty="0"/>
               <a:t>Note: </a:t>
             </a:r>
             <a:r>
@@ -22206,7 +21626,7 @@
               <a:t>‘</a:t>
             </a:r>
             <a:r>
-              <a:rPr lang="en-US" sz="1600"/>
+              <a:rPr lang="en-US" sz="1600" dirty="0"/>
               <a:t>step</a:t>
             </a:r>
             <a:r>
@@ -22214,7 +21634,7 @@
               <a:t>’</a:t>
             </a:r>
             <a:r>
-              <a:rPr lang="en-US" sz="1600"/>
+              <a:rPr lang="en-US" sz="1600" dirty="0"/>
               <a:t> is inaccessible from the nested function, </a:t>
             </a:r>
             <a:r>
@@ -22222,7 +21642,7 @@
               <a:t>‘</a:t>
             </a:r>
             <a:r>
-              <a:rPr lang="en-US" sz="1600"/>
+              <a:rPr lang="en-US" sz="1600" dirty="0"/>
               <a:t>step</a:t>
             </a:r>
             <a:r>
@@ -22230,14 +21650,14 @@
               <a:t>’</a:t>
             </a:r>
             <a:r>
-              <a:rPr lang="en-US" sz="1600"/>
+              <a:rPr lang="en-US" sz="1600" dirty="0"/>
               <a:t> is in the</a:t>
             </a:r>
             <a:br>
-              <a:rPr lang="en-US" sz="1600"/>
+              <a:rPr lang="en-US" sz="1600" dirty="0"/>
             </a:br>
             <a:r>
-              <a:rPr lang="en-US" sz="1600"/>
+              <a:rPr lang="en-US" sz="1600" dirty="0"/>
               <a:t>frame of the calling function. </a:t>
             </a:r>
           </a:p>
@@ -22295,13 +21715,6 @@
   <p:clrMapOvr>
     <a:masterClrMapping/>
   </p:clrMapOvr>
-  <p:timing>
-    <p:tnLst>
-      <p:par>
-        <p:cTn id="1" dur="indefinite" restart="never" nodeType="tmRoot"/>
-      </p:par>
-    </p:tnLst>
-  </p:timing>
 </p:sld>
 </file>
 
@@ -22721,13 +22134,6 @@
   <p:clrMapOvr>
     <a:masterClrMapping/>
   </p:clrMapOvr>
-  <p:timing>
-    <p:tnLst>
-      <p:par>
-        <p:cTn id="1" dur="indefinite" restart="never" nodeType="tmRoot"/>
-      </p:par>
-    </p:tnLst>
-  </p:timing>
 </p:sld>
 </file>
 
@@ -22813,32 +22219,22 @@
             <a:pPr lvl="1"/>
             <a:r>
               <a:rPr lang="en-US" dirty="0"/>
-              <a:t>That means function calls cannot appear in expressions </a:t>
-            </a:r>
-            <a:r>
-              <a:rPr lang="en-US" dirty="0" smtClean="0"/>
-              <a:t>of the bytecode</a:t>
-            </a:r>
-            <a:endParaRPr lang="en-US" dirty="0"/>
+              <a:t>That means function calls cannot appear in expressions of the bytecode</a:t>
+            </a:r>
           </a:p>
           <a:p>
             <a:r>
               <a:rPr lang="en-US" dirty="0"/>
-              <a:t>Solution: convert the evaluation of expressions </a:t>
-            </a:r>
-            <a:r>
-              <a:rPr lang="en-US" dirty="0" smtClean="0"/>
-              <a:t>into </a:t>
-            </a:r>
-            <a:r>
-              <a:rPr lang="en-US" i="1" dirty="0" smtClean="0"/>
+              <a:t>Solution: convert the evaluation of expressions into </a:t>
+            </a:r>
+            <a:r>
+              <a:rPr lang="en-US" i="1" dirty="0"/>
               <a:t>three-address code </a:t>
             </a:r>
             <a:r>
-              <a:rPr lang="en-US" dirty="0" smtClean="0"/>
+              <a:rPr lang="en-US" dirty="0"/>
               <a:t>statements.</a:t>
             </a:r>
-            <a:endParaRPr lang="en-US" dirty="0"/>
           </a:p>
         </p:txBody>
       </p:sp>
@@ -22847,13 +22243,6 @@
   <p:clrMapOvr>
     <a:masterClrMapping/>
   </p:clrMapOvr>
-  <p:timing>
-    <p:tnLst>
-      <p:par>
-        <p:cTn id="1" dur="indefinite" restart="never" nodeType="tmRoot"/>
-      </p:par>
-    </p:tnLst>
-  </p:timing>
 </p:sld>
 </file>
 
